--- a/introCS_PST.pptx
+++ b/introCS_PST.pptx
@@ -8,15 +8,16 @@
     <p:sldId id="256" r:id="rId2"/>
     <p:sldId id="257" r:id="rId3"/>
     <p:sldId id="258" r:id="rId4"/>
-    <p:sldId id="259" r:id="rId5"/>
-    <p:sldId id="260" r:id="rId6"/>
-    <p:sldId id="261" r:id="rId7"/>
-    <p:sldId id="267" r:id="rId8"/>
-    <p:sldId id="262" r:id="rId9"/>
-    <p:sldId id="263" r:id="rId10"/>
-    <p:sldId id="264" r:id="rId11"/>
-    <p:sldId id="268" r:id="rId12"/>
-    <p:sldId id="266" r:id="rId13"/>
+    <p:sldId id="269" r:id="rId5"/>
+    <p:sldId id="259" r:id="rId6"/>
+    <p:sldId id="260" r:id="rId7"/>
+    <p:sldId id="261" r:id="rId8"/>
+    <p:sldId id="267" r:id="rId9"/>
+    <p:sldId id="262" r:id="rId10"/>
+    <p:sldId id="263" r:id="rId11"/>
+    <p:sldId id="264" r:id="rId12"/>
+    <p:sldId id="268" r:id="rId13"/>
+    <p:sldId id="266" r:id="rId14"/>
   </p:sldIdLst>
   <p:sldSz cx="12192000" cy="6858000"/>
   <p:notesSz cx="6858000" cy="9144000"/>
@@ -115,7 +116,16 @@
       </a:defRPr>
     </a:lvl9pPr>
   </p:defaultTextStyle>
+  <p:extLst>
+    <p:ext uri="{EFAFB233-063F-42B5-8137-9DF3F51BA10A}">
+      <p15:sldGuideLst xmlns:p15="http://schemas.microsoft.com/office/powerpoint/2012/main"/>
+    </p:ext>
+  </p:extLst>
 </p:presentation>
+</file>
+
+<file path=ppt/revisionInfo.xml><?xml version="1.0" encoding="utf-8"?>
+<p1510:revInfo xmlns:a="http://schemas.openxmlformats.org/drawingml/2006/main" xmlns:r="http://schemas.openxmlformats.org/officeDocument/2006/relationships" xmlns:p1510="http://schemas.microsoft.com/office/powerpoint/2015/10/main"/>
 </file>
 
 <file path=ppt/slideLayouts/slideLayout1.xml><?xml version="1.0" encoding="utf-8"?>
@@ -864,7 +874,7 @@
             <a:fld id="{B61BEF0D-F0BB-DE4B-95CE-6DB70DBA9567}" type="datetimeFigureOut">
               <a:rPr lang="en-US" dirty="0"/>
               <a:pPr/>
-              <a:t>1/14/2018</a:t>
+              <a:t>1/15/2018</a:t>
             </a:fld>
             <a:endParaRPr lang="en-US" dirty="0"/>
           </a:p>
@@ -1112,7 +1122,7 @@
             <a:fld id="{B61BEF0D-F0BB-DE4B-95CE-6DB70DBA9567}" type="datetimeFigureOut">
               <a:rPr lang="en-US" dirty="0"/>
               <a:pPr/>
-              <a:t>1/14/2018</a:t>
+              <a:t>1/15/2018</a:t>
             </a:fld>
             <a:endParaRPr lang="en-US" dirty="0"/>
           </a:p>
@@ -1423,7 +1433,7 @@
             <a:fld id="{B61BEF0D-F0BB-DE4B-95CE-6DB70DBA9567}" type="datetimeFigureOut">
               <a:rPr lang="en-US" dirty="0"/>
               <a:pPr/>
-              <a:t>1/14/2018</a:t>
+              <a:t>1/15/2018</a:t>
             </a:fld>
             <a:endParaRPr lang="en-US" dirty="0"/>
           </a:p>
@@ -1753,7 +1763,7 @@
             <a:fld id="{B61BEF0D-F0BB-DE4B-95CE-6DB70DBA9567}" type="datetimeFigureOut">
               <a:rPr lang="en-US" dirty="0"/>
               <a:pPr/>
-              <a:t>1/14/2018</a:t>
+              <a:t>1/15/2018</a:t>
             </a:fld>
             <a:endParaRPr lang="en-US" dirty="0"/>
           </a:p>
@@ -2064,7 +2074,7 @@
             <a:fld id="{B61BEF0D-F0BB-DE4B-95CE-6DB70DBA9567}" type="datetimeFigureOut">
               <a:rPr lang="en-US" dirty="0"/>
               <a:pPr/>
-              <a:t>1/14/2018</a:t>
+              <a:t>1/15/2018</a:t>
             </a:fld>
             <a:endParaRPr lang="en-US" dirty="0"/>
           </a:p>
@@ -2454,7 +2464,7 @@
             <a:fld id="{B61BEF0D-F0BB-DE4B-95CE-6DB70DBA9567}" type="datetimeFigureOut">
               <a:rPr lang="en-US" dirty="0"/>
               <a:pPr/>
-              <a:t>1/14/2018</a:t>
+              <a:t>1/15/2018</a:t>
             </a:fld>
             <a:endParaRPr lang="en-US" dirty="0"/>
           </a:p>
@@ -2620,7 +2630,7 @@
           <a:p>
             <a:fld id="{55C6B4A9-1611-4792-9094-5F34BCA07E0B}" type="datetimeFigureOut">
               <a:rPr lang="en-US" dirty="0"/>
-              <a:t>1/14/2018</a:t>
+              <a:t>1/15/2018</a:t>
             </a:fld>
             <a:endParaRPr lang="en-US" dirty="0"/>
           </a:p>
@@ -2796,7 +2806,7 @@
             <a:fld id="{B61BEF0D-F0BB-DE4B-95CE-6DB70DBA9567}" type="datetimeFigureOut">
               <a:rPr lang="en-US" dirty="0"/>
               <a:pPr/>
-              <a:t>1/14/2018</a:t>
+              <a:t>1/15/2018</a:t>
             </a:fld>
             <a:endParaRPr lang="en-US" dirty="0"/>
           </a:p>
@@ -2962,7 +2972,7 @@
           <a:p>
             <a:fld id="{42A54C80-263E-416B-A8E0-580EDEADCBDC}" type="datetimeFigureOut">
               <a:rPr lang="en-US" dirty="0"/>
-              <a:t>1/14/2018</a:t>
+              <a:t>1/15/2018</a:t>
             </a:fld>
             <a:endParaRPr lang="en-US" dirty="0"/>
           </a:p>
@@ -3205,7 +3215,7 @@
             <a:fld id="{B61BEF0D-F0BB-DE4B-95CE-6DB70DBA9567}" type="datetimeFigureOut">
               <a:rPr lang="en-US" dirty="0"/>
               <a:pPr/>
-              <a:t>1/14/2018</a:t>
+              <a:t>1/15/2018</a:t>
             </a:fld>
             <a:endParaRPr lang="en-US" dirty="0"/>
           </a:p>
@@ -3433,7 +3443,7 @@
           <a:p>
             <a:fld id="{42A54C80-263E-416B-A8E0-580EDEADCBDC}" type="datetimeFigureOut">
               <a:rPr lang="en-US" dirty="0"/>
-              <a:t>1/14/2018</a:t>
+              <a:t>1/15/2018</a:t>
             </a:fld>
             <a:endParaRPr lang="en-US" dirty="0"/>
           </a:p>
@@ -3803,7 +3813,7 @@
             <a:fld id="{B61BEF0D-F0BB-DE4B-95CE-6DB70DBA9567}" type="datetimeFigureOut">
               <a:rPr lang="en-US" dirty="0"/>
               <a:pPr/>
-              <a:t>1/14/2018</a:t>
+              <a:t>1/15/2018</a:t>
             </a:fld>
             <a:endParaRPr lang="en-US" dirty="0"/>
           </a:p>
@@ -3923,7 +3933,7 @@
             <a:fld id="{B61BEF0D-F0BB-DE4B-95CE-6DB70DBA9567}" type="datetimeFigureOut">
               <a:rPr lang="en-US" dirty="0"/>
               <a:pPr/>
-              <a:t>1/14/2018</a:t>
+              <a:t>1/15/2018</a:t>
             </a:fld>
             <a:endParaRPr lang="en-US" dirty="0"/>
           </a:p>
@@ -4015,7 +4025,7 @@
             <a:fld id="{B61BEF0D-F0BB-DE4B-95CE-6DB70DBA9567}" type="datetimeFigureOut">
               <a:rPr lang="en-US" dirty="0"/>
               <a:pPr/>
-              <a:t>1/14/2018</a:t>
+              <a:t>1/15/2018</a:t>
             </a:fld>
             <a:endParaRPr lang="en-US" dirty="0"/>
           </a:p>
@@ -4266,7 +4276,7 @@
           <a:p>
             <a:fld id="{42A54C80-263E-416B-A8E0-580EDEADCBDC}" type="datetimeFigureOut">
               <a:rPr lang="en-US" dirty="0"/>
-              <a:t>1/14/2018</a:t>
+              <a:t>1/15/2018</a:t>
             </a:fld>
             <a:endParaRPr lang="en-US" dirty="0"/>
           </a:p>
@@ -4568,7 +4578,7 @@
             <a:fld id="{B61BEF0D-F0BB-DE4B-95CE-6DB70DBA9567}" type="datetimeFigureOut">
               <a:rPr lang="en-US" dirty="0"/>
               <a:pPr/>
-              <a:t>1/14/2018</a:t>
+              <a:t>1/15/2018</a:t>
             </a:fld>
             <a:endParaRPr lang="en-US" dirty="0"/>
           </a:p>
@@ -5266,7 +5276,7 @@
             <a:fld id="{B61BEF0D-F0BB-DE4B-95CE-6DB70DBA9567}" type="datetimeFigureOut">
               <a:rPr lang="en-US" dirty="0"/>
               <a:pPr/>
-              <a:t>1/14/2018</a:t>
+              <a:t>1/15/2018</a:t>
             </a:fld>
             <a:endParaRPr lang="en-US" dirty="0"/>
           </a:p>
@@ -5899,6 +5909,160 @@
           <p:cNvPr id="2" name="標題 1">
             <a:extLst>
               <a:ext uri="{FF2B5EF4-FFF2-40B4-BE49-F238E27FC236}">
+                <a16:creationId xmlns:a16="http://schemas.microsoft.com/office/drawing/2014/main" id="{5C3A7885-BD66-43B3-8EEE-414C0E7FFFAE}"/>
+              </a:ext>
+            </a:extLst>
+          </p:cNvPr>
+          <p:cNvSpPr>
+            <a:spLocks noGrp="1"/>
+          </p:cNvSpPr>
+          <p:nvPr>
+            <p:ph type="title"/>
+          </p:nvPr>
+        </p:nvSpPr>
+        <p:spPr/>
+        <p:txBody>
+          <a:bodyPr/>
+          <a:lstStyle/>
+          <a:p>
+            <a:r>
+              <a:rPr lang="zh-TW" altLang="en-US" dirty="0"/>
+              <a:t>類別：</a:t>
+            </a:r>
+            <a:r>
+              <a:rPr lang="en-US" altLang="zh-TW" dirty="0"/>
+              <a:t>Barrier</a:t>
+            </a:r>
+            <a:endParaRPr lang="zh-TW" altLang="en-US" dirty="0"/>
+          </a:p>
+        </p:txBody>
+      </p:sp>
+      <p:pic>
+        <p:nvPicPr>
+          <p:cNvPr id="7" name="內容版面配置區 6">
+            <a:extLst>
+              <a:ext uri="{FF2B5EF4-FFF2-40B4-BE49-F238E27FC236}">
+                <a16:creationId xmlns:a16="http://schemas.microsoft.com/office/drawing/2014/main" id="{4B95C540-9400-4D77-B8EB-D5349A7F2F35}"/>
+              </a:ext>
+            </a:extLst>
+          </p:cNvPr>
+          <p:cNvPicPr>
+            <a:picLocks noGrp="1" noChangeAspect="1"/>
+          </p:cNvPicPr>
+          <p:nvPr>
+            <p:ph idx="1"/>
+          </p:nvPr>
+        </p:nvPicPr>
+        <p:blipFill>
+          <a:blip r:embed="rId2"/>
+          <a:stretch>
+            <a:fillRect/>
+          </a:stretch>
+        </p:blipFill>
+        <p:spPr>
+          <a:xfrm>
+            <a:off x="5800198" y="1930400"/>
+            <a:ext cx="3050966" cy="1869947"/>
+          </a:xfrm>
+          <a:prstGeom prst="rect">
+            <a:avLst/>
+          </a:prstGeom>
+          <a:solidFill>
+            <a:srgbClr val="FFFFFF">
+              <a:shade val="85000"/>
+            </a:srgbClr>
+          </a:solidFill>
+          <a:ln w="190500" cap="rnd">
+            <a:solidFill>
+              <a:srgbClr val="FFFFFF"/>
+            </a:solidFill>
+          </a:ln>
+          <a:effectLst>
+            <a:outerShdw blurRad="50000" algn="tl" rotWithShape="0">
+              <a:srgbClr val="000000">
+                <a:alpha val="41000"/>
+              </a:srgbClr>
+            </a:outerShdw>
+          </a:effectLst>
+          <a:scene3d>
+            <a:camera prst="orthographicFront"/>
+            <a:lightRig rig="twoPt" dir="t">
+              <a:rot lat="0" lon="0" rev="7800000"/>
+            </a:lightRig>
+          </a:scene3d>
+          <a:sp3d contourW="6350">
+            <a:bevelT w="50800" h="16510"/>
+            <a:contourClr>
+              <a:srgbClr val="C0C0C0"/>
+            </a:contourClr>
+          </a:sp3d>
+        </p:spPr>
+      </p:pic>
+      <p:pic>
+        <p:nvPicPr>
+          <p:cNvPr id="9" name="圖片 8">
+            <a:extLst>
+              <a:ext uri="{FF2B5EF4-FFF2-40B4-BE49-F238E27FC236}">
+                <a16:creationId xmlns:a16="http://schemas.microsoft.com/office/drawing/2014/main" id="{615F4CE9-A44E-4F84-9081-5AEE4E03537F}"/>
+              </a:ext>
+            </a:extLst>
+          </p:cNvPr>
+          <p:cNvPicPr>
+            <a:picLocks noChangeAspect="1"/>
+          </p:cNvPicPr>
+          <p:nvPr/>
+        </p:nvPicPr>
+        <p:blipFill>
+          <a:blip r:embed="rId3"/>
+          <a:stretch>
+            <a:fillRect/>
+          </a:stretch>
+        </p:blipFill>
+        <p:spPr>
+          <a:xfrm>
+            <a:off x="1262742" y="1433695"/>
+            <a:ext cx="3952049" cy="5109346"/>
+          </a:xfrm>
+          <a:prstGeom prst="rect">
+            <a:avLst/>
+          </a:prstGeom>
+        </p:spPr>
+      </p:pic>
+    </p:spTree>
+    <p:extLst>
+      <p:ext uri="{BB962C8B-B14F-4D97-AF65-F5344CB8AC3E}">
+        <p14:creationId xmlns:p14="http://schemas.microsoft.com/office/powerpoint/2010/main" val="2300755005"/>
+      </p:ext>
+    </p:extLst>
+  </p:cSld>
+  <p:clrMapOvr>
+    <a:masterClrMapping/>
+  </p:clrMapOvr>
+</p:sld>
+</file>
+
+<file path=ppt/slides/slide11.xml><?xml version="1.0" encoding="utf-8"?>
+<p:sld xmlns:a="http://schemas.openxmlformats.org/drawingml/2006/main" xmlns:r="http://schemas.openxmlformats.org/officeDocument/2006/relationships" xmlns:p="http://schemas.openxmlformats.org/presentationml/2006/main">
+  <p:cSld>
+    <p:spTree>
+      <p:nvGrpSpPr>
+        <p:cNvPr id="1" name=""/>
+        <p:cNvGrpSpPr/>
+        <p:nvPr/>
+      </p:nvGrpSpPr>
+      <p:grpSpPr>
+        <a:xfrm>
+          <a:off x="0" y="0"/>
+          <a:ext cx="0" cy="0"/>
+          <a:chOff x="0" y="0"/>
+          <a:chExt cx="0" cy="0"/>
+        </a:xfrm>
+      </p:grpSpPr>
+      <p:sp>
+        <p:nvSpPr>
+          <p:cNvPr id="2" name="標題 1">
+            <a:extLst>
+              <a:ext uri="{FF2B5EF4-FFF2-40B4-BE49-F238E27FC236}">
                 <a16:creationId xmlns:a16="http://schemas.microsoft.com/office/drawing/2014/main" id="{76D4ACD2-4D39-4B64-A831-44AB3D8C58C4}"/>
               </a:ext>
             </a:extLst>
@@ -6031,80 +6195,6 @@
 </p:sld>
 </file>
 
-<file path=ppt/slides/slide11.xml><?xml version="1.0" encoding="utf-8"?>
-<p:sld xmlns:a="http://schemas.openxmlformats.org/drawingml/2006/main" xmlns:r="http://schemas.openxmlformats.org/officeDocument/2006/relationships" xmlns:p="http://schemas.openxmlformats.org/presentationml/2006/main">
-  <p:cSld>
-    <p:spTree>
-      <p:nvGrpSpPr>
-        <p:cNvPr id="1" name=""/>
-        <p:cNvGrpSpPr/>
-        <p:nvPr/>
-      </p:nvGrpSpPr>
-      <p:grpSpPr>
-        <a:xfrm>
-          <a:off x="0" y="0"/>
-          <a:ext cx="0" cy="0"/>
-          <a:chOff x="0" y="0"/>
-          <a:chExt cx="0" cy="0"/>
-        </a:xfrm>
-      </p:grpSpPr>
-      <p:sp>
-        <p:nvSpPr>
-          <p:cNvPr id="2" name="標題 1">
-            <a:extLst>
-              <a:ext uri="{FF2B5EF4-FFF2-40B4-BE49-F238E27FC236}">
-                <a16:creationId xmlns:a16="http://schemas.microsoft.com/office/drawing/2014/main" id="{4699D1F1-43B8-49A1-86BE-E130EE75637E}"/>
-              </a:ext>
-            </a:extLst>
-          </p:cNvPr>
-          <p:cNvSpPr>
-            <a:spLocks noGrp="1"/>
-          </p:cNvSpPr>
-          <p:nvPr>
-            <p:ph type="title"/>
-          </p:nvPr>
-        </p:nvSpPr>
-        <p:spPr>
-          <a:xfrm>
-            <a:off x="3514725" y="2571750"/>
-            <a:ext cx="4143375" cy="2032000"/>
-          </a:xfrm>
-        </p:spPr>
-        <p:txBody>
-          <a:bodyPr>
-            <a:normAutofit/>
-          </a:bodyPr>
-          <a:lstStyle/>
-          <a:p>
-            <a:pPr algn="ctr"/>
-            <a:r>
-              <a:rPr lang="en-US" altLang="zh-TW" sz="5400" dirty="0"/>
-              <a:t>Demo Time</a:t>
-            </a:r>
-            <a:br>
-              <a:rPr lang="en-US" altLang="zh-TW" sz="4400" dirty="0"/>
-            </a:br>
-            <a:r>
-              <a:rPr lang="en-US" altLang="zh-TW" sz="4000" dirty="0"/>
-              <a:t>Enjoy!!</a:t>
-            </a:r>
-            <a:endParaRPr lang="zh-TW" altLang="en-US" sz="4400" dirty="0"/>
-          </a:p>
-        </p:txBody>
-      </p:sp>
-    </p:spTree>
-    <p:extLst>
-      <p:ext uri="{BB962C8B-B14F-4D97-AF65-F5344CB8AC3E}">
-        <p14:creationId xmlns:p14="http://schemas.microsoft.com/office/powerpoint/2010/main" val="314257434"/>
-      </p:ext>
-    </p:extLst>
-  </p:cSld>
-  <p:clrMapOvr>
-    <a:masterClrMapping/>
-  </p:clrMapOvr>
-</p:sld>
-</file>
-
 <file path=ppt/slides/slide12.xml><?xml version="1.0" encoding="utf-8"?>
 <p:sld xmlns:a="http://schemas.openxmlformats.org/drawingml/2006/main" xmlns:r="http://schemas.openxmlformats.org/officeDocument/2006/relationships" xmlns:p="http://schemas.openxmlformats.org/presentationml/2006/main">
   <p:cSld>
@@ -6127,6 +6217,80 @@
           <p:cNvPr id="2" name="標題 1">
             <a:extLst>
               <a:ext uri="{FF2B5EF4-FFF2-40B4-BE49-F238E27FC236}">
+                <a16:creationId xmlns:a16="http://schemas.microsoft.com/office/drawing/2014/main" id="{4699D1F1-43B8-49A1-86BE-E130EE75637E}"/>
+              </a:ext>
+            </a:extLst>
+          </p:cNvPr>
+          <p:cNvSpPr>
+            <a:spLocks noGrp="1"/>
+          </p:cNvSpPr>
+          <p:nvPr>
+            <p:ph type="title"/>
+          </p:nvPr>
+        </p:nvSpPr>
+        <p:spPr>
+          <a:xfrm>
+            <a:off x="3514725" y="2571750"/>
+            <a:ext cx="4143375" cy="2032000"/>
+          </a:xfrm>
+        </p:spPr>
+        <p:txBody>
+          <a:bodyPr>
+            <a:normAutofit/>
+          </a:bodyPr>
+          <a:lstStyle/>
+          <a:p>
+            <a:pPr algn="ctr"/>
+            <a:r>
+              <a:rPr lang="en-US" altLang="zh-TW" sz="5400" dirty="0"/>
+              <a:t>Demo Time</a:t>
+            </a:r>
+            <a:br>
+              <a:rPr lang="en-US" altLang="zh-TW" sz="4400" dirty="0"/>
+            </a:br>
+            <a:r>
+              <a:rPr lang="en-US" altLang="zh-TW" sz="4000" dirty="0"/>
+              <a:t>Enjoy!!</a:t>
+            </a:r>
+            <a:endParaRPr lang="zh-TW" altLang="en-US" sz="4400" dirty="0"/>
+          </a:p>
+        </p:txBody>
+      </p:sp>
+    </p:spTree>
+    <p:extLst>
+      <p:ext uri="{BB962C8B-B14F-4D97-AF65-F5344CB8AC3E}">
+        <p14:creationId xmlns:p14="http://schemas.microsoft.com/office/powerpoint/2010/main" val="314257434"/>
+      </p:ext>
+    </p:extLst>
+  </p:cSld>
+  <p:clrMapOvr>
+    <a:masterClrMapping/>
+  </p:clrMapOvr>
+</p:sld>
+</file>
+
+<file path=ppt/slides/slide13.xml><?xml version="1.0" encoding="utf-8"?>
+<p:sld xmlns:a="http://schemas.openxmlformats.org/drawingml/2006/main" xmlns:r="http://schemas.openxmlformats.org/officeDocument/2006/relationships" xmlns:p="http://schemas.openxmlformats.org/presentationml/2006/main">
+  <p:cSld>
+    <p:spTree>
+      <p:nvGrpSpPr>
+        <p:cNvPr id="1" name=""/>
+        <p:cNvGrpSpPr/>
+        <p:nvPr/>
+      </p:nvGrpSpPr>
+      <p:grpSpPr>
+        <a:xfrm>
+          <a:off x="0" y="0"/>
+          <a:ext cx="0" cy="0"/>
+          <a:chOff x="0" y="0"/>
+          <a:chExt cx="0" cy="0"/>
+        </a:xfrm>
+      </p:grpSpPr>
+      <p:sp>
+        <p:nvSpPr>
+          <p:cNvPr id="2" name="標題 1">
+            <a:extLst>
+              <a:ext uri="{FF2B5EF4-FFF2-40B4-BE49-F238E27FC236}">
                 <a16:creationId xmlns:a16="http://schemas.microsoft.com/office/drawing/2014/main" id="{6A359465-EDD3-4651-9F4B-1719D909F2E5}"/>
               </a:ext>
             </a:extLst>
@@ -6153,7 +6317,7 @@
             <a:pPr algn="ctr"/>
             <a:r>
               <a:rPr lang="en-US" altLang="zh-TW" sz="4000" dirty="0"/>
-              <a:t>Thanks for your listening!</a:t>
+              <a:t>Thanks for your attention!</a:t>
             </a:r>
             <a:endParaRPr lang="zh-TW" altLang="en-US" sz="4000" dirty="0"/>
           </a:p>
@@ -6368,7 +6532,35 @@
           <a:prstGeom prst="rect">
             <a:avLst/>
           </a:prstGeom>
-          <a:noFill/>
+          <a:solidFill>
+            <a:srgbClr val="FFFFFF">
+              <a:shade val="85000"/>
+            </a:srgbClr>
+          </a:solidFill>
+          <a:ln w="190500" cap="rnd">
+            <a:solidFill>
+              <a:srgbClr val="FFFFFF"/>
+            </a:solidFill>
+          </a:ln>
+          <a:effectLst>
+            <a:outerShdw blurRad="50000" algn="tl" rotWithShape="0">
+              <a:srgbClr val="000000">
+                <a:alpha val="41000"/>
+              </a:srgbClr>
+            </a:outerShdw>
+          </a:effectLst>
+          <a:scene3d>
+            <a:camera prst="orthographicFront"/>
+            <a:lightRig rig="twoPt" dir="t">
+              <a:rot lat="0" lon="0" rev="7800000"/>
+            </a:lightRig>
+          </a:scene3d>
+          <a:sp3d contourW="6350">
+            <a:bevelT w="50800" h="16510"/>
+            <a:contourClr>
+              <a:srgbClr val="C0C0C0"/>
+            </a:contourClr>
+          </a:sp3d>
           <a:extLst>
             <a:ext uri="{909E8E84-426E-40DD-AFC4-6F175D3DCCD1}">
               <a14:hiddenFill xmlns:a14="http://schemas.microsoft.com/office/drawing/2010/main">
@@ -6394,6 +6586,145 @@
 </file>
 
 <file path=ppt/slides/slide4.xml><?xml version="1.0" encoding="utf-8"?>
+<p:sld xmlns:a="http://schemas.openxmlformats.org/drawingml/2006/main" xmlns:r="http://schemas.openxmlformats.org/officeDocument/2006/relationships" xmlns:p="http://schemas.openxmlformats.org/presentationml/2006/main">
+  <p:cSld>
+    <p:spTree>
+      <p:nvGrpSpPr>
+        <p:cNvPr id="1" name=""/>
+        <p:cNvGrpSpPr/>
+        <p:nvPr/>
+      </p:nvGrpSpPr>
+      <p:grpSpPr>
+        <a:xfrm>
+          <a:off x="0" y="0"/>
+          <a:ext cx="0" cy="0"/>
+          <a:chOff x="0" y="0"/>
+          <a:chExt cx="0" cy="0"/>
+        </a:xfrm>
+      </p:grpSpPr>
+      <p:sp>
+        <p:nvSpPr>
+          <p:cNvPr id="2" name="標題 1">
+            <a:extLst>
+              <a:ext uri="{FF2B5EF4-FFF2-40B4-BE49-F238E27FC236}">
+                <a16:creationId xmlns:a16="http://schemas.microsoft.com/office/drawing/2014/main" id="{78FB1FC1-8369-46E8-ABDB-27C5C1D1EAF6}"/>
+              </a:ext>
+            </a:extLst>
+          </p:cNvPr>
+          <p:cNvSpPr>
+            <a:spLocks noGrp="1"/>
+          </p:cNvSpPr>
+          <p:nvPr>
+            <p:ph type="title"/>
+          </p:nvPr>
+        </p:nvSpPr>
+        <p:spPr/>
+        <p:txBody>
+          <a:bodyPr/>
+          <a:lstStyle/>
+          <a:p>
+            <a:r>
+              <a:rPr lang="zh-TW" altLang="en-US" dirty="0"/>
+              <a:t>遊戲介紹：</a:t>
+            </a:r>
+            <a:r>
+              <a:rPr lang="en-US" altLang="zh-TW" dirty="0"/>
+              <a:t>Rolling Ball</a:t>
+            </a:r>
+            <a:endParaRPr lang="zh-TW" altLang="en-US" dirty="0"/>
+          </a:p>
+        </p:txBody>
+      </p:sp>
+      <p:sp>
+        <p:nvSpPr>
+          <p:cNvPr id="3" name="內容版面配置區 2">
+            <a:extLst>
+              <a:ext uri="{FF2B5EF4-FFF2-40B4-BE49-F238E27FC236}">
+                <a16:creationId xmlns:a16="http://schemas.microsoft.com/office/drawing/2014/main" id="{C4D2F13C-7CFC-43C7-AF73-FE55158E25BD}"/>
+              </a:ext>
+            </a:extLst>
+          </p:cNvPr>
+          <p:cNvSpPr>
+            <a:spLocks noGrp="1"/>
+          </p:cNvSpPr>
+          <p:nvPr>
+            <p:ph idx="1"/>
+          </p:nvPr>
+        </p:nvSpPr>
+        <p:spPr>
+          <a:xfrm>
+            <a:off x="677334" y="1647825"/>
+            <a:ext cx="8596668" cy="4393537"/>
+          </a:xfrm>
+        </p:spPr>
+        <p:txBody>
+          <a:bodyPr>
+            <a:normAutofit/>
+          </a:bodyPr>
+          <a:lstStyle/>
+          <a:p>
+            <a:r>
+              <a:rPr lang="en-US" altLang="zh-TW" sz="3200" dirty="0"/>
+              <a:t>Main MENU</a:t>
+            </a:r>
+            <a:r>
+              <a:rPr lang="zh-TW" altLang="en-US" sz="3200" dirty="0"/>
+              <a:t>：</a:t>
+            </a:r>
+            <a:r>
+              <a:rPr lang="en-US" altLang="zh-TW" sz="3200" dirty="0"/>
+              <a:t>three different difficulty-level can be chosen</a:t>
+            </a:r>
+          </a:p>
+          <a:p>
+            <a:r>
+              <a:rPr lang="en-US" altLang="zh-TW" sz="3200" dirty="0"/>
+              <a:t>Game</a:t>
+            </a:r>
+            <a:r>
+              <a:rPr lang="zh-TW" altLang="en-US" sz="3200" dirty="0"/>
+              <a:t>：</a:t>
+            </a:r>
+            <a:r>
+              <a:rPr lang="en-US" altLang="zh-TW" sz="3200" dirty="0"/>
+              <a:t>3D-based game theme</a:t>
+            </a:r>
+          </a:p>
+          <a:p>
+            <a:r>
+              <a:rPr lang="en-US" altLang="zh-TW" sz="3200" dirty="0" err="1"/>
+              <a:t>Gameover</a:t>
+            </a:r>
+            <a:r>
+              <a:rPr lang="en-US" altLang="zh-TW" sz="3200" dirty="0"/>
+              <a:t> Scene</a:t>
+            </a:r>
+            <a:r>
+              <a:rPr lang="zh-TW" altLang="en-US" sz="3200" dirty="0"/>
+              <a:t>：</a:t>
+            </a:r>
+            <a:r>
+              <a:rPr lang="en-US" altLang="zh-TW" sz="3200" dirty="0"/>
+              <a:t>support restart and quit function</a:t>
+            </a:r>
+            <a:endParaRPr lang="zh-TW" altLang="en-US" sz="3200" dirty="0"/>
+          </a:p>
+        </p:txBody>
+      </p:sp>
+    </p:spTree>
+    <p:extLst>
+      <p:ext uri="{BB962C8B-B14F-4D97-AF65-F5344CB8AC3E}">
+        <p14:creationId xmlns:p14="http://schemas.microsoft.com/office/powerpoint/2010/main" val="4077215919"/>
+      </p:ext>
+    </p:extLst>
+  </p:cSld>
+  <p:clrMapOvr>
+    <a:masterClrMapping/>
+  </p:clrMapOvr>
+</p:sld>
+</file>
+
+<file path=ppt/slides/slide5.xml><?xml version="1.0" encoding="utf-8"?>
 <p:sld xmlns:a="http://schemas.openxmlformats.org/drawingml/2006/main" xmlns:r="http://schemas.openxmlformats.org/officeDocument/2006/relationships" xmlns:p="http://schemas.openxmlformats.org/presentationml/2006/main">
   <p:cSld>
     <p:spTree>
@@ -6486,7 +6817,7 @@
 </p:sld>
 </file>
 
-<file path=ppt/slides/slide5.xml><?xml version="1.0" encoding="utf-8"?>
+<file path=ppt/slides/slide6.xml><?xml version="1.0" encoding="utf-8"?>
 <p:sld xmlns:a="http://schemas.openxmlformats.org/drawingml/2006/main" xmlns:r="http://schemas.openxmlformats.org/officeDocument/2006/relationships" xmlns:p="http://schemas.openxmlformats.org/presentationml/2006/main">
   <p:cSld>
     <p:spTree>
@@ -6533,7 +6864,11 @@
             </a:br>
             <a:r>
               <a:rPr lang="en-US" altLang="zh-TW" dirty="0" err="1"/>
-              <a:t>Rollingball.jack</a:t>
+              <a:t>RacingGame.jack</a:t>
+            </a:r>
+            <a:r>
+              <a:rPr lang="zh-TW" altLang="en-US" dirty="0"/>
+              <a:t>*</a:t>
             </a:r>
             <a:r>
               <a:rPr lang="en-US" altLang="zh-TW" dirty="0"/>
@@ -6603,6 +6938,45 @@
           </a:prstGeom>
         </p:spPr>
       </p:pic>
+      <p:sp>
+        <p:nvSpPr>
+          <p:cNvPr id="3" name="文字方塊 2">
+            <a:extLst>
+              <a:ext uri="{FF2B5EF4-FFF2-40B4-BE49-F238E27FC236}">
+                <a16:creationId xmlns:a16="http://schemas.microsoft.com/office/drawing/2014/main" id="{E4A53AEA-0CC9-4696-A946-3191D1117E4D}"/>
+              </a:ext>
+            </a:extLst>
+          </p:cNvPr>
+          <p:cNvSpPr txBox="1"/>
+          <p:nvPr/>
+        </p:nvSpPr>
+        <p:spPr>
+          <a:xfrm>
+            <a:off x="1423987" y="5469989"/>
+            <a:ext cx="3114676" cy="646331"/>
+          </a:xfrm>
+          <a:prstGeom prst="rect">
+            <a:avLst/>
+          </a:prstGeom>
+          <a:noFill/>
+        </p:spPr>
+        <p:txBody>
+          <a:bodyPr wrap="square" rtlCol="0">
+            <a:spAutoFit/>
+          </a:bodyPr>
+          <a:lstStyle/>
+          <a:p>
+            <a:r>
+              <a:rPr lang="zh-TW" altLang="en-US" dirty="0"/>
+              <a:t>註*：本來打算做賽車遊戲的</a:t>
+            </a:r>
+            <a:endParaRPr lang="en-US" altLang="zh-TW" dirty="0"/>
+          </a:p>
+          <a:p>
+            <a:endParaRPr lang="zh-TW" altLang="en-US" dirty="0"/>
+          </a:p>
+        </p:txBody>
+      </p:sp>
     </p:spTree>
     <p:extLst>
       <p:ext uri="{BB962C8B-B14F-4D97-AF65-F5344CB8AC3E}">
@@ -6616,7 +6990,7 @@
 </p:sld>
 </file>
 
-<file path=ppt/slides/slide6.xml><?xml version="1.0" encoding="utf-8"?>
+<file path=ppt/slides/slide7.xml><?xml version="1.0" encoding="utf-8"?>
 <p:sld xmlns:a="http://schemas.openxmlformats.org/drawingml/2006/main" xmlns:r="http://schemas.openxmlformats.org/officeDocument/2006/relationships" xmlns:p="http://schemas.openxmlformats.org/presentationml/2006/main">
   <p:cSld>
     <p:spTree>
@@ -6663,7 +7037,7 @@
             </a:br>
             <a:r>
               <a:rPr lang="en-US" altLang="zh-TW" dirty="0" err="1"/>
-              <a:t>Rollingball.jack</a:t>
+              <a:t>RacingGame.jack</a:t>
             </a:r>
             <a:r>
               <a:rPr lang="en-US" altLang="zh-TW" dirty="0"/>
@@ -6746,7 +7120,7 @@
 </p:sld>
 </file>
 
-<file path=ppt/slides/slide7.xml><?xml version="1.0" encoding="utf-8"?>
+<file path=ppt/slides/slide8.xml><?xml version="1.0" encoding="utf-8"?>
 <p:sld xmlns:a="http://schemas.openxmlformats.org/drawingml/2006/main" xmlns:r="http://schemas.openxmlformats.org/officeDocument/2006/relationships" xmlns:p="http://schemas.openxmlformats.org/presentationml/2006/main">
   <p:cSld>
     <p:spTree>
@@ -6875,7 +7249,7 @@
 </p:sld>
 </file>
 
-<file path=ppt/slides/slide8.xml><?xml version="1.0" encoding="utf-8"?>
+<file path=ppt/slides/slide9.xml><?xml version="1.0" encoding="utf-8"?>
 <p:sld xmlns:a="http://schemas.openxmlformats.org/drawingml/2006/main" xmlns:r="http://schemas.openxmlformats.org/officeDocument/2006/relationships" xmlns:p="http://schemas.openxmlformats.org/presentationml/2006/main">
   <p:cSld>
     <p:spTree>
@@ -7186,160 +7560,6 @@
     <p:extLst>
       <p:ext uri="{BB962C8B-B14F-4D97-AF65-F5344CB8AC3E}">
         <p14:creationId xmlns:p14="http://schemas.microsoft.com/office/powerpoint/2010/main" val="1724818648"/>
-      </p:ext>
-    </p:extLst>
-  </p:cSld>
-  <p:clrMapOvr>
-    <a:masterClrMapping/>
-  </p:clrMapOvr>
-</p:sld>
-</file>
-
-<file path=ppt/slides/slide9.xml><?xml version="1.0" encoding="utf-8"?>
-<p:sld xmlns:a="http://schemas.openxmlformats.org/drawingml/2006/main" xmlns:r="http://schemas.openxmlformats.org/officeDocument/2006/relationships" xmlns:p="http://schemas.openxmlformats.org/presentationml/2006/main">
-  <p:cSld>
-    <p:spTree>
-      <p:nvGrpSpPr>
-        <p:cNvPr id="1" name=""/>
-        <p:cNvGrpSpPr/>
-        <p:nvPr/>
-      </p:nvGrpSpPr>
-      <p:grpSpPr>
-        <a:xfrm>
-          <a:off x="0" y="0"/>
-          <a:ext cx="0" cy="0"/>
-          <a:chOff x="0" y="0"/>
-          <a:chExt cx="0" cy="0"/>
-        </a:xfrm>
-      </p:grpSpPr>
-      <p:sp>
-        <p:nvSpPr>
-          <p:cNvPr id="2" name="標題 1">
-            <a:extLst>
-              <a:ext uri="{FF2B5EF4-FFF2-40B4-BE49-F238E27FC236}">
-                <a16:creationId xmlns:a16="http://schemas.microsoft.com/office/drawing/2014/main" id="{5C3A7885-BD66-43B3-8EEE-414C0E7FFFAE}"/>
-              </a:ext>
-            </a:extLst>
-          </p:cNvPr>
-          <p:cNvSpPr>
-            <a:spLocks noGrp="1"/>
-          </p:cNvSpPr>
-          <p:nvPr>
-            <p:ph type="title"/>
-          </p:nvPr>
-        </p:nvSpPr>
-        <p:spPr/>
-        <p:txBody>
-          <a:bodyPr/>
-          <a:lstStyle/>
-          <a:p>
-            <a:r>
-              <a:rPr lang="zh-TW" altLang="en-US" dirty="0"/>
-              <a:t>類別：</a:t>
-            </a:r>
-            <a:r>
-              <a:rPr lang="en-US" altLang="zh-TW" dirty="0"/>
-              <a:t>Barrier</a:t>
-            </a:r>
-            <a:endParaRPr lang="zh-TW" altLang="en-US" dirty="0"/>
-          </a:p>
-        </p:txBody>
-      </p:sp>
-      <p:pic>
-        <p:nvPicPr>
-          <p:cNvPr id="7" name="內容版面配置區 6">
-            <a:extLst>
-              <a:ext uri="{FF2B5EF4-FFF2-40B4-BE49-F238E27FC236}">
-                <a16:creationId xmlns:a16="http://schemas.microsoft.com/office/drawing/2014/main" id="{4B95C540-9400-4D77-B8EB-D5349A7F2F35}"/>
-              </a:ext>
-            </a:extLst>
-          </p:cNvPr>
-          <p:cNvPicPr>
-            <a:picLocks noGrp="1" noChangeAspect="1"/>
-          </p:cNvPicPr>
-          <p:nvPr>
-            <p:ph idx="1"/>
-          </p:nvPr>
-        </p:nvPicPr>
-        <p:blipFill>
-          <a:blip r:embed="rId2"/>
-          <a:stretch>
-            <a:fillRect/>
-          </a:stretch>
-        </p:blipFill>
-        <p:spPr>
-          <a:xfrm>
-            <a:off x="5800198" y="1930400"/>
-            <a:ext cx="3050966" cy="1869947"/>
-          </a:xfrm>
-          <a:prstGeom prst="rect">
-            <a:avLst/>
-          </a:prstGeom>
-          <a:solidFill>
-            <a:srgbClr val="FFFFFF">
-              <a:shade val="85000"/>
-            </a:srgbClr>
-          </a:solidFill>
-          <a:ln w="190500" cap="rnd">
-            <a:solidFill>
-              <a:srgbClr val="FFFFFF"/>
-            </a:solidFill>
-          </a:ln>
-          <a:effectLst>
-            <a:outerShdw blurRad="50000" algn="tl" rotWithShape="0">
-              <a:srgbClr val="000000">
-                <a:alpha val="41000"/>
-              </a:srgbClr>
-            </a:outerShdw>
-          </a:effectLst>
-          <a:scene3d>
-            <a:camera prst="orthographicFront"/>
-            <a:lightRig rig="twoPt" dir="t">
-              <a:rot lat="0" lon="0" rev="7800000"/>
-            </a:lightRig>
-          </a:scene3d>
-          <a:sp3d contourW="6350">
-            <a:bevelT w="50800" h="16510"/>
-            <a:contourClr>
-              <a:srgbClr val="C0C0C0"/>
-            </a:contourClr>
-          </a:sp3d>
-        </p:spPr>
-      </p:pic>
-      <p:pic>
-        <p:nvPicPr>
-          <p:cNvPr id="9" name="圖片 8">
-            <a:extLst>
-              <a:ext uri="{FF2B5EF4-FFF2-40B4-BE49-F238E27FC236}">
-                <a16:creationId xmlns:a16="http://schemas.microsoft.com/office/drawing/2014/main" id="{615F4CE9-A44E-4F84-9081-5AEE4E03537F}"/>
-              </a:ext>
-            </a:extLst>
-          </p:cNvPr>
-          <p:cNvPicPr>
-            <a:picLocks noChangeAspect="1"/>
-          </p:cNvPicPr>
-          <p:nvPr/>
-        </p:nvPicPr>
-        <p:blipFill>
-          <a:blip r:embed="rId3"/>
-          <a:stretch>
-            <a:fillRect/>
-          </a:stretch>
-        </p:blipFill>
-        <p:spPr>
-          <a:xfrm>
-            <a:off x="1262742" y="1433695"/>
-            <a:ext cx="3952049" cy="5109346"/>
-          </a:xfrm>
-          <a:prstGeom prst="rect">
-            <a:avLst/>
-          </a:prstGeom>
-        </p:spPr>
-      </p:pic>
-    </p:spTree>
-    <p:extLst>
-      <p:ext uri="{BB962C8B-B14F-4D97-AF65-F5344CB8AC3E}">
-        <p14:creationId xmlns:p14="http://schemas.microsoft.com/office/powerpoint/2010/main" val="2300755005"/>
       </p:ext>
     </p:extLst>
   </p:cSld>

--- a/introCS_PST.pptx
+++ b/introCS_PST.pptx
@@ -9,15 +9,18 @@
     <p:sldId id="257" r:id="rId3"/>
     <p:sldId id="258" r:id="rId4"/>
     <p:sldId id="269" r:id="rId5"/>
-    <p:sldId id="259" r:id="rId6"/>
-    <p:sldId id="260" r:id="rId7"/>
-    <p:sldId id="261" r:id="rId8"/>
-    <p:sldId id="267" r:id="rId9"/>
-    <p:sldId id="262" r:id="rId10"/>
-    <p:sldId id="263" r:id="rId11"/>
-    <p:sldId id="264" r:id="rId12"/>
-    <p:sldId id="268" r:id="rId13"/>
-    <p:sldId id="266" r:id="rId14"/>
+    <p:sldId id="270" r:id="rId6"/>
+    <p:sldId id="271" r:id="rId7"/>
+    <p:sldId id="259" r:id="rId8"/>
+    <p:sldId id="260" r:id="rId9"/>
+    <p:sldId id="261" r:id="rId10"/>
+    <p:sldId id="267" r:id="rId11"/>
+    <p:sldId id="272" r:id="rId12"/>
+    <p:sldId id="262" r:id="rId13"/>
+    <p:sldId id="263" r:id="rId14"/>
+    <p:sldId id="264" r:id="rId15"/>
+    <p:sldId id="268" r:id="rId16"/>
+    <p:sldId id="266" r:id="rId17"/>
   </p:sldIdLst>
   <p:sldSz cx="12192000" cy="6858000"/>
   <p:notesSz cx="6858000" cy="9144000"/>
@@ -5801,7 +5804,7 @@
           <p:cNvPr id="2" name="標題 1">
             <a:extLst>
               <a:ext uri="{FF2B5EF4-FFF2-40B4-BE49-F238E27FC236}">
-                <a16:creationId xmlns:a16="http://schemas.microsoft.com/office/drawing/2014/main" id="{1A965B17-BA0B-4509-8DF1-EF78D97DC136}"/>
+                <a16:creationId xmlns:a16="http://schemas.microsoft.com/office/drawing/2014/main" xmlns="" id="{1A965B17-BA0B-4509-8DF1-EF78D97DC136}"/>
               </a:ext>
             </a:extLst>
           </p:cNvPr>
@@ -5830,6 +5833,10 @@
               <a:rPr lang="zh-TW" altLang="en-US" sz="6000" dirty="0"/>
               <a:t>：</a:t>
             </a:r>
+            <a:r>
+              <a:rPr lang="en-US" altLang="zh-TW" sz="6000" dirty="0"/>
+              <a:t/>
+            </a:r>
             <a:br>
               <a:rPr lang="en-US" altLang="zh-TW" sz="6000" dirty="0"/>
             </a:br>
@@ -5846,7 +5853,7 @@
           <p:cNvPr id="3" name="副標題 2">
             <a:extLst>
               <a:ext uri="{FF2B5EF4-FFF2-40B4-BE49-F238E27FC236}">
-                <a16:creationId xmlns:a16="http://schemas.microsoft.com/office/drawing/2014/main" id="{281FA350-C775-4211-9A80-845555CB887D}"/>
+                <a16:creationId xmlns:a16="http://schemas.microsoft.com/office/drawing/2014/main" xmlns="" id="{281FA350-C775-4211-9A80-845555CB887D}"/>
               </a:ext>
             </a:extLst>
           </p:cNvPr>
@@ -5884,6 +5891,13 @@
   <p:clrMapOvr>
     <a:masterClrMapping/>
   </p:clrMapOvr>
+  <p:timing>
+    <p:tnLst>
+      <p:par>
+        <p:cTn id="1" dur="indefinite" restart="never" nodeType="tmRoot"/>
+      </p:par>
+    </p:tnLst>
+  </p:timing>
 </p:sld>
 </file>
 
@@ -5909,7 +5923,7 @@
           <p:cNvPr id="2" name="標題 1">
             <a:extLst>
               <a:ext uri="{FF2B5EF4-FFF2-40B4-BE49-F238E27FC236}">
-                <a16:creationId xmlns:a16="http://schemas.microsoft.com/office/drawing/2014/main" id="{5C3A7885-BD66-43B3-8EEE-414C0E7FFFAE}"/>
+                <a16:creationId xmlns:a16="http://schemas.microsoft.com/office/drawing/2014/main" xmlns="" id="{D6DFDD07-E10F-4AF0-9A38-C1B8BA56B532}"/>
               </a:ext>
             </a:extLst>
           </p:cNvPr>
@@ -5927,11 +5941,19 @@
           <a:p>
             <a:r>
               <a:rPr lang="zh-TW" altLang="en-US" dirty="0"/>
-              <a:t>類別：</a:t>
+              <a:t>主要程式介紹：</a:t>
             </a:r>
             <a:r>
               <a:rPr lang="en-US" altLang="zh-TW" dirty="0"/>
-              <a:t>Barrier</a:t>
+              <a:t> </a:t>
+            </a:r>
+            <a:r>
+              <a:rPr lang="en-US" altLang="zh-TW" dirty="0" err="1" smtClean="0"/>
+              <a:t>Ball.jack</a:t>
+            </a:r>
+            <a:r>
+              <a:rPr lang="en-US" altLang="zh-TW" dirty="0" smtClean="0"/>
+              <a:t>(1)</a:t>
             </a:r>
             <a:endParaRPr lang="zh-TW" altLang="en-US" dirty="0"/>
           </a:p>
@@ -5939,19 +5961,270 @@
       </p:sp>
       <p:pic>
         <p:nvPicPr>
-          <p:cNvPr id="7" name="內容版面配置區 6">
+          <p:cNvPr id="4" name="內容版面配置區 3"/>
+          <p:cNvPicPr>
+            <a:picLocks noGrp="1" noChangeAspect="1"/>
+          </p:cNvPicPr>
+          <p:nvPr>
+            <p:ph idx="1"/>
+          </p:nvPr>
+        </p:nvPicPr>
+        <p:blipFill>
+          <a:blip r:embed="rId2">
+            <a:extLst>
+              <a:ext uri="{28A0092B-C50C-407E-A947-70E740481C1C}">
+                <a14:useLocalDpi xmlns:a14="http://schemas.microsoft.com/office/drawing/2010/main" val="0"/>
+              </a:ext>
+            </a:extLst>
+          </a:blip>
+          <a:stretch>
+            <a:fillRect/>
+          </a:stretch>
+        </p:blipFill>
+        <p:spPr>
+          <a:xfrm>
+            <a:off x="306142" y="1270000"/>
+            <a:ext cx="6220830" cy="3881437"/>
+          </a:xfrm>
+        </p:spPr>
+      </p:pic>
+      <p:pic>
+        <p:nvPicPr>
+          <p:cNvPr id="6" name="圖片 5"/>
+          <p:cNvPicPr>
+            <a:picLocks noChangeAspect="1"/>
+          </p:cNvPicPr>
+          <p:nvPr/>
+        </p:nvPicPr>
+        <p:blipFill>
+          <a:blip r:embed="rId3">
+            <a:extLst>
+              <a:ext uri="{28A0092B-C50C-407E-A947-70E740481C1C}">
+                <a14:useLocalDpi xmlns:a14="http://schemas.microsoft.com/office/drawing/2010/main" val="0"/>
+              </a:ext>
+            </a:extLst>
+          </a:blip>
+          <a:stretch>
+            <a:fillRect/>
+          </a:stretch>
+        </p:blipFill>
+        <p:spPr>
+          <a:xfrm>
+            <a:off x="5390913" y="2590800"/>
+            <a:ext cx="6154659" cy="3819076"/>
+          </a:xfrm>
+          <a:prstGeom prst="rect">
+            <a:avLst/>
+          </a:prstGeom>
+        </p:spPr>
+      </p:pic>
+    </p:spTree>
+    <p:extLst>
+      <p:ext uri="{BB962C8B-B14F-4D97-AF65-F5344CB8AC3E}">
+        <p14:creationId xmlns:p14="http://schemas.microsoft.com/office/powerpoint/2010/main" val="579046416"/>
+      </p:ext>
+    </p:extLst>
+  </p:cSld>
+  <p:clrMapOvr>
+    <a:masterClrMapping/>
+  </p:clrMapOvr>
+  <p:timing>
+    <p:tnLst>
+      <p:par>
+        <p:cTn id="1" dur="indefinite" restart="never" nodeType="tmRoot"/>
+      </p:par>
+    </p:tnLst>
+  </p:timing>
+</p:sld>
+</file>
+
+<file path=ppt/slides/slide11.xml><?xml version="1.0" encoding="utf-8"?>
+<p:sld xmlns:a="http://schemas.openxmlformats.org/drawingml/2006/main" xmlns:r="http://schemas.openxmlformats.org/officeDocument/2006/relationships" xmlns:p="http://schemas.openxmlformats.org/presentationml/2006/main">
+  <p:cSld>
+    <p:spTree>
+      <p:nvGrpSpPr>
+        <p:cNvPr id="1" name=""/>
+        <p:cNvGrpSpPr/>
+        <p:nvPr/>
+      </p:nvGrpSpPr>
+      <p:grpSpPr>
+        <a:xfrm>
+          <a:off x="0" y="0"/>
+          <a:ext cx="0" cy="0"/>
+          <a:chOff x="0" y="0"/>
+          <a:chExt cx="0" cy="0"/>
+        </a:xfrm>
+      </p:grpSpPr>
+      <p:sp>
+        <p:nvSpPr>
+          <p:cNvPr id="2" name="標題 1"/>
+          <p:cNvSpPr>
+            <a:spLocks noGrp="1"/>
+          </p:cNvSpPr>
+          <p:nvPr>
+            <p:ph type="title"/>
+          </p:nvPr>
+        </p:nvSpPr>
+        <p:spPr/>
+        <p:txBody>
+          <a:bodyPr/>
+          <a:lstStyle/>
+          <a:p>
+            <a:r>
+              <a:rPr lang="zh-TW" altLang="en-US" dirty="0"/>
+              <a:t>主要程式介紹：</a:t>
+            </a:r>
+            <a:r>
+              <a:rPr lang="en-US" altLang="zh-TW" dirty="0"/>
+              <a:t> </a:t>
+            </a:r>
+            <a:r>
+              <a:rPr lang="en-US" altLang="zh-TW" dirty="0" err="1" smtClean="0"/>
+              <a:t>Ball.jack</a:t>
+            </a:r>
+            <a:r>
+              <a:rPr lang="en-US" altLang="zh-TW" dirty="0" smtClean="0"/>
+              <a:t>(2)</a:t>
+            </a:r>
+            <a:endParaRPr lang="zh-TW" altLang="en-US" dirty="0"/>
+          </a:p>
+        </p:txBody>
+      </p:sp>
+      <p:pic>
+        <p:nvPicPr>
+          <p:cNvPr id="4" name="內容版面配置區 3"/>
+          <p:cNvPicPr>
+            <a:picLocks noGrp="1" noChangeAspect="1"/>
+          </p:cNvPicPr>
+          <p:nvPr>
+            <p:ph idx="1"/>
+          </p:nvPr>
+        </p:nvPicPr>
+        <p:blipFill>
+          <a:blip r:embed="rId2">
+            <a:extLst>
+              <a:ext uri="{28A0092B-C50C-407E-A947-70E740481C1C}">
+                <a14:useLocalDpi xmlns:a14="http://schemas.microsoft.com/office/drawing/2010/main" val="0"/>
+              </a:ext>
+            </a:extLst>
+          </a:blip>
+          <a:stretch>
+            <a:fillRect/>
+          </a:stretch>
+        </p:blipFill>
+        <p:spPr>
+          <a:xfrm>
+            <a:off x="323495" y="1367074"/>
+            <a:ext cx="5595249" cy="3624749"/>
+          </a:xfrm>
+        </p:spPr>
+      </p:pic>
+      <p:pic>
+        <p:nvPicPr>
+          <p:cNvPr id="5" name="圖片 4"/>
+          <p:cNvPicPr>
+            <a:picLocks noChangeAspect="1"/>
+          </p:cNvPicPr>
+          <p:nvPr/>
+        </p:nvPicPr>
+        <p:blipFill>
+          <a:blip r:embed="rId3">
+            <a:extLst>
+              <a:ext uri="{28A0092B-C50C-407E-A947-70E740481C1C}">
+                <a14:useLocalDpi xmlns:a14="http://schemas.microsoft.com/office/drawing/2010/main" val="0"/>
+              </a:ext>
+            </a:extLst>
+          </a:blip>
+          <a:stretch>
+            <a:fillRect/>
+          </a:stretch>
+        </p:blipFill>
+        <p:spPr>
+          <a:xfrm>
+            <a:off x="5199048" y="3179448"/>
+            <a:ext cx="6787742" cy="3348729"/>
+          </a:xfrm>
+          <a:prstGeom prst="rect">
+            <a:avLst/>
+          </a:prstGeom>
+        </p:spPr>
+      </p:pic>
+    </p:spTree>
+    <p:extLst>
+      <p:ext uri="{BB962C8B-B14F-4D97-AF65-F5344CB8AC3E}">
+        <p14:creationId xmlns:p14="http://schemas.microsoft.com/office/powerpoint/2010/main" val="3045945066"/>
+      </p:ext>
+    </p:extLst>
+  </p:cSld>
+  <p:clrMapOvr>
+    <a:masterClrMapping/>
+  </p:clrMapOvr>
+</p:sld>
+</file>
+
+<file path=ppt/slides/slide12.xml><?xml version="1.0" encoding="utf-8"?>
+<p:sld xmlns:a="http://schemas.openxmlformats.org/drawingml/2006/main" xmlns:r="http://schemas.openxmlformats.org/officeDocument/2006/relationships" xmlns:p="http://schemas.openxmlformats.org/presentationml/2006/main">
+  <p:cSld>
+    <p:spTree>
+      <p:nvGrpSpPr>
+        <p:cNvPr id="1" name=""/>
+        <p:cNvGrpSpPr/>
+        <p:nvPr/>
+      </p:nvGrpSpPr>
+      <p:grpSpPr>
+        <a:xfrm>
+          <a:off x="0" y="0"/>
+          <a:ext cx="0" cy="0"/>
+          <a:chOff x="0" y="0"/>
+          <a:chExt cx="0" cy="0"/>
+        </a:xfrm>
+      </p:grpSpPr>
+      <p:sp>
+        <p:nvSpPr>
+          <p:cNvPr id="2" name="標題 1">
             <a:extLst>
               <a:ext uri="{FF2B5EF4-FFF2-40B4-BE49-F238E27FC236}">
-                <a16:creationId xmlns:a16="http://schemas.microsoft.com/office/drawing/2014/main" id="{4B95C540-9400-4D77-B8EB-D5349A7F2F35}"/>
+                <a16:creationId xmlns:a16="http://schemas.microsoft.com/office/drawing/2014/main" xmlns="" id="{32637F15-B57F-4F76-A85B-AC3DD7187CE3}"/>
+              </a:ext>
+            </a:extLst>
+          </p:cNvPr>
+          <p:cNvSpPr>
+            <a:spLocks noGrp="1"/>
+          </p:cNvSpPr>
+          <p:nvPr>
+            <p:ph type="title"/>
+          </p:nvPr>
+        </p:nvSpPr>
+        <p:spPr/>
+        <p:txBody>
+          <a:bodyPr/>
+          <a:lstStyle/>
+          <a:p>
+            <a:r>
+              <a:rPr lang="zh-TW" altLang="en-US" dirty="0"/>
+              <a:t>主要程式介紹：</a:t>
+            </a:r>
+            <a:r>
+              <a:rPr lang="en-US" altLang="zh-TW" dirty="0" err="1"/>
+              <a:t>Scene.Jack</a:t>
+            </a:r>
+            <a:endParaRPr lang="zh-TW" altLang="en-US" dirty="0"/>
+          </a:p>
+        </p:txBody>
+      </p:sp>
+      <p:pic>
+        <p:nvPicPr>
+          <p:cNvPr id="5" name="圖片 4">
+            <a:extLst>
+              <a:ext uri="{FF2B5EF4-FFF2-40B4-BE49-F238E27FC236}">
+                <a16:creationId xmlns:a16="http://schemas.microsoft.com/office/drawing/2014/main" xmlns="" id="{CFBDD36C-C954-453D-9318-0AFA6B9B86A5}"/>
               </a:ext>
             </a:extLst>
           </p:cNvPr>
           <p:cNvPicPr>
-            <a:picLocks noGrp="1" noChangeAspect="1"/>
+            <a:picLocks noChangeAspect="1"/>
           </p:cNvPicPr>
-          <p:nvPr>
-            <p:ph idx="1"/>
-          </p:nvPr>
+          <p:nvPr/>
         </p:nvPicPr>
         <p:blipFill>
           <a:blip r:embed="rId2"/>
@@ -5961,7 +6234,336 @@
         </p:blipFill>
         <p:spPr>
           <a:xfrm>
-            <a:off x="5800198" y="1930400"/>
+            <a:off x="7797416" y="1270000"/>
+            <a:ext cx="1476586" cy="4921952"/>
+          </a:xfrm>
+          <a:prstGeom prst="rect">
+            <a:avLst/>
+          </a:prstGeom>
+        </p:spPr>
+      </p:pic>
+      <p:sp>
+        <p:nvSpPr>
+          <p:cNvPr id="6" name="圖說文字: 直線 5">
+            <a:extLst>
+              <a:ext uri="{FF2B5EF4-FFF2-40B4-BE49-F238E27FC236}">
+                <a16:creationId xmlns:a16="http://schemas.microsoft.com/office/drawing/2014/main" xmlns="" id="{FACF542A-86E4-4177-B2AA-C6E2F6F419A8}"/>
+              </a:ext>
+            </a:extLst>
+          </p:cNvPr>
+          <p:cNvSpPr/>
+          <p:nvPr/>
+        </p:nvSpPr>
+        <p:spPr>
+          <a:xfrm>
+            <a:off x="2495551" y="1681480"/>
+            <a:ext cx="4271010" cy="861695"/>
+          </a:xfrm>
+          <a:prstGeom prst="borderCallout1">
+            <a:avLst>
+              <a:gd name="adj1" fmla="val 50467"/>
+              <a:gd name="adj2" fmla="val 101653"/>
+              <a:gd name="adj3" fmla="val 55236"/>
+              <a:gd name="adj4" fmla="val 126649"/>
+            </a:avLst>
+          </a:prstGeom>
+        </p:spPr>
+        <p:style>
+          <a:lnRef idx="2">
+            <a:schemeClr val="accent1">
+              <a:shade val="50000"/>
+            </a:schemeClr>
+          </a:lnRef>
+          <a:fillRef idx="1">
+            <a:schemeClr val="accent1"/>
+          </a:fillRef>
+          <a:effectRef idx="0">
+            <a:schemeClr val="accent1"/>
+          </a:effectRef>
+          <a:fontRef idx="minor">
+            <a:schemeClr val="lt1"/>
+          </a:fontRef>
+        </p:style>
+        <p:txBody>
+          <a:bodyPr rtlCol="0" anchor="ctr"/>
+          <a:lstStyle/>
+          <a:p>
+            <a:pPr algn="ctr"/>
+            <a:r>
+              <a:rPr lang="en-US" altLang="zh-TW" dirty="0"/>
+              <a:t>Barrier’s Position</a:t>
+            </a:r>
+          </a:p>
+          <a:p>
+            <a:pPr algn="ctr"/>
+            <a:r>
+              <a:rPr lang="en-US" altLang="zh-TW" dirty="0"/>
+              <a:t>(Manual Computation)</a:t>
+            </a:r>
+            <a:endParaRPr lang="zh-TW" altLang="en-US" dirty="0"/>
+          </a:p>
+        </p:txBody>
+      </p:sp>
+      <p:sp>
+        <p:nvSpPr>
+          <p:cNvPr id="7" name="圖說文字: 直線 6">
+            <a:extLst>
+              <a:ext uri="{FF2B5EF4-FFF2-40B4-BE49-F238E27FC236}">
+                <a16:creationId xmlns:a16="http://schemas.microsoft.com/office/drawing/2014/main" xmlns="" id="{F7FFB074-214B-4023-9594-B8F1528FD0FB}"/>
+              </a:ext>
+            </a:extLst>
+          </p:cNvPr>
+          <p:cNvSpPr/>
+          <p:nvPr/>
+        </p:nvSpPr>
+        <p:spPr>
+          <a:xfrm>
+            <a:off x="2917997" y="2838450"/>
+            <a:ext cx="3563891" cy="421005"/>
+          </a:xfrm>
+          <a:prstGeom prst="borderCallout1">
+            <a:avLst>
+              <a:gd name="adj1" fmla="val 49698"/>
+              <a:gd name="adj2" fmla="val 102412"/>
+              <a:gd name="adj3" fmla="val 70076"/>
+              <a:gd name="adj4" fmla="val 138701"/>
+            </a:avLst>
+          </a:prstGeom>
+        </p:spPr>
+        <p:style>
+          <a:lnRef idx="2">
+            <a:schemeClr val="accent1">
+              <a:shade val="50000"/>
+            </a:schemeClr>
+          </a:lnRef>
+          <a:fillRef idx="1">
+            <a:schemeClr val="accent1"/>
+          </a:fillRef>
+          <a:effectRef idx="0">
+            <a:schemeClr val="accent1"/>
+          </a:effectRef>
+          <a:fontRef idx="minor">
+            <a:schemeClr val="lt1"/>
+          </a:fontRef>
+        </p:style>
+        <p:txBody>
+          <a:bodyPr rtlCol="0" anchor="ctr"/>
+          <a:lstStyle/>
+          <a:p>
+            <a:pPr algn="ctr"/>
+            <a:r>
+              <a:rPr lang="en-US" altLang="zh-TW" dirty="0"/>
+              <a:t>Draw Roads</a:t>
+            </a:r>
+            <a:endParaRPr lang="zh-TW" altLang="en-US" dirty="0"/>
+          </a:p>
+        </p:txBody>
+      </p:sp>
+      <p:sp>
+        <p:nvSpPr>
+          <p:cNvPr id="8" name="圖說文字: 直線 7">
+            <a:extLst>
+              <a:ext uri="{FF2B5EF4-FFF2-40B4-BE49-F238E27FC236}">
+                <a16:creationId xmlns:a16="http://schemas.microsoft.com/office/drawing/2014/main" xmlns="" id="{1C06E371-7A50-43C3-8147-44F0783E4804}"/>
+              </a:ext>
+            </a:extLst>
+          </p:cNvPr>
+          <p:cNvSpPr/>
+          <p:nvPr/>
+        </p:nvSpPr>
+        <p:spPr>
+          <a:xfrm>
+            <a:off x="3714750" y="5429250"/>
+            <a:ext cx="3190875" cy="421005"/>
+          </a:xfrm>
+          <a:prstGeom prst="borderCallout1">
+            <a:avLst>
+              <a:gd name="adj1" fmla="val 44837"/>
+              <a:gd name="adj2" fmla="val 101816"/>
+              <a:gd name="adj3" fmla="val -156101"/>
+              <a:gd name="adj4" fmla="val 131219"/>
+            </a:avLst>
+          </a:prstGeom>
+        </p:spPr>
+        <p:style>
+          <a:lnRef idx="2">
+            <a:schemeClr val="accent1">
+              <a:shade val="50000"/>
+            </a:schemeClr>
+          </a:lnRef>
+          <a:fillRef idx="1">
+            <a:schemeClr val="accent1"/>
+          </a:fillRef>
+          <a:effectRef idx="0">
+            <a:schemeClr val="accent1"/>
+          </a:effectRef>
+          <a:fontRef idx="minor">
+            <a:schemeClr val="lt1"/>
+          </a:fontRef>
+        </p:style>
+        <p:txBody>
+          <a:bodyPr rtlCol="0" anchor="ctr"/>
+          <a:lstStyle/>
+          <a:p>
+            <a:pPr algn="ctr"/>
+            <a:r>
+              <a:rPr lang="en-US" altLang="zh-TW" dirty="0"/>
+              <a:t>Update</a:t>
+            </a:r>
+            <a:endParaRPr lang="zh-TW" altLang="en-US" dirty="0"/>
+          </a:p>
+        </p:txBody>
+      </p:sp>
+      <p:sp>
+        <p:nvSpPr>
+          <p:cNvPr id="9" name="圖說文字: 直線 8">
+            <a:extLst>
+              <a:ext uri="{FF2B5EF4-FFF2-40B4-BE49-F238E27FC236}">
+                <a16:creationId xmlns:a16="http://schemas.microsoft.com/office/drawing/2014/main" xmlns="" id="{78BAC5A4-5202-46B8-8B80-4ED3477CC4A2}"/>
+              </a:ext>
+            </a:extLst>
+          </p:cNvPr>
+          <p:cNvSpPr/>
+          <p:nvPr/>
+        </p:nvSpPr>
+        <p:spPr>
+          <a:xfrm>
+            <a:off x="3648075" y="4438650"/>
+            <a:ext cx="3118486" cy="421005"/>
+          </a:xfrm>
+          <a:prstGeom prst="borderCallout1">
+            <a:avLst>
+              <a:gd name="adj1" fmla="val 34587"/>
+              <a:gd name="adj2" fmla="val 102846"/>
+              <a:gd name="adj3" fmla="val -14197"/>
+              <a:gd name="adj4" fmla="val 134850"/>
+            </a:avLst>
+          </a:prstGeom>
+        </p:spPr>
+        <p:style>
+          <a:lnRef idx="2">
+            <a:schemeClr val="accent1">
+              <a:shade val="50000"/>
+            </a:schemeClr>
+          </a:lnRef>
+          <a:fillRef idx="1">
+            <a:schemeClr val="accent1"/>
+          </a:fillRef>
+          <a:effectRef idx="0">
+            <a:schemeClr val="accent1"/>
+          </a:effectRef>
+          <a:fontRef idx="minor">
+            <a:schemeClr val="lt1"/>
+          </a:fontRef>
+        </p:style>
+        <p:txBody>
+          <a:bodyPr rtlCol="0" anchor="ctr"/>
+          <a:lstStyle/>
+          <a:p>
+            <a:pPr algn="ctr"/>
+            <a:r>
+              <a:rPr lang="en-US" altLang="zh-TW" dirty="0"/>
+              <a:t>Draw Tree and OB</a:t>
+            </a:r>
+            <a:endParaRPr lang="zh-TW" altLang="en-US" dirty="0"/>
+          </a:p>
+        </p:txBody>
+      </p:sp>
+    </p:spTree>
+    <p:extLst>
+      <p:ext uri="{BB962C8B-B14F-4D97-AF65-F5344CB8AC3E}">
+        <p14:creationId xmlns:p14="http://schemas.microsoft.com/office/powerpoint/2010/main" val="1724818648"/>
+      </p:ext>
+    </p:extLst>
+  </p:cSld>
+  <p:clrMapOvr>
+    <a:masterClrMapping/>
+  </p:clrMapOvr>
+  <p:timing>
+    <p:tnLst>
+      <p:par>
+        <p:cTn id="1" dur="indefinite" restart="never" nodeType="tmRoot"/>
+      </p:par>
+    </p:tnLst>
+  </p:timing>
+</p:sld>
+</file>
+
+<file path=ppt/slides/slide13.xml><?xml version="1.0" encoding="utf-8"?>
+<p:sld xmlns:a="http://schemas.openxmlformats.org/drawingml/2006/main" xmlns:r="http://schemas.openxmlformats.org/officeDocument/2006/relationships" xmlns:p="http://schemas.openxmlformats.org/presentationml/2006/main">
+  <p:cSld>
+    <p:spTree>
+      <p:nvGrpSpPr>
+        <p:cNvPr id="1" name=""/>
+        <p:cNvGrpSpPr/>
+        <p:nvPr/>
+      </p:nvGrpSpPr>
+      <p:grpSpPr>
+        <a:xfrm>
+          <a:off x="0" y="0"/>
+          <a:ext cx="0" cy="0"/>
+          <a:chOff x="0" y="0"/>
+          <a:chExt cx="0" cy="0"/>
+        </a:xfrm>
+      </p:grpSpPr>
+      <p:sp>
+        <p:nvSpPr>
+          <p:cNvPr id="2" name="標題 1">
+            <a:extLst>
+              <a:ext uri="{FF2B5EF4-FFF2-40B4-BE49-F238E27FC236}">
+                <a16:creationId xmlns:a16="http://schemas.microsoft.com/office/drawing/2014/main" xmlns="" id="{5C3A7885-BD66-43B3-8EEE-414C0E7FFFAE}"/>
+              </a:ext>
+            </a:extLst>
+          </p:cNvPr>
+          <p:cNvSpPr>
+            <a:spLocks noGrp="1"/>
+          </p:cNvSpPr>
+          <p:nvPr>
+            <p:ph type="title"/>
+          </p:nvPr>
+        </p:nvSpPr>
+        <p:spPr/>
+        <p:txBody>
+          <a:bodyPr/>
+          <a:lstStyle/>
+          <a:p>
+            <a:r>
+              <a:rPr lang="zh-TW" altLang="en-US" dirty="0"/>
+              <a:t>類別：</a:t>
+            </a:r>
+            <a:r>
+              <a:rPr lang="en-US" altLang="zh-TW" dirty="0"/>
+              <a:t>Barrier</a:t>
+            </a:r>
+            <a:endParaRPr lang="zh-TW" altLang="en-US" dirty="0"/>
+          </a:p>
+        </p:txBody>
+      </p:sp>
+      <p:pic>
+        <p:nvPicPr>
+          <p:cNvPr id="7" name="內容版面配置區 6">
+            <a:extLst>
+              <a:ext uri="{FF2B5EF4-FFF2-40B4-BE49-F238E27FC236}">
+                <a16:creationId xmlns:a16="http://schemas.microsoft.com/office/drawing/2014/main" xmlns="" id="{4B95C540-9400-4D77-B8EB-D5349A7F2F35}"/>
+              </a:ext>
+            </a:extLst>
+          </p:cNvPr>
+          <p:cNvPicPr>
+            <a:picLocks noGrp="1" noChangeAspect="1"/>
+          </p:cNvPicPr>
+          <p:nvPr>
+            <p:ph idx="1"/>
+          </p:nvPr>
+        </p:nvPicPr>
+        <p:blipFill>
+          <a:blip r:embed="rId2"/>
+          <a:stretch>
+            <a:fillRect/>
+          </a:stretch>
+        </p:blipFill>
+        <p:spPr>
+          <a:xfrm>
+            <a:off x="6596903" y="1930400"/>
             <a:ext cx="3050966" cy="1869947"/>
           </a:xfrm>
           <a:prstGeom prst="rect">
@@ -6000,28 +6602,28 @@
       </p:pic>
       <p:pic>
         <p:nvPicPr>
-          <p:cNvPr id="9" name="圖片 8">
-            <a:extLst>
-              <a:ext uri="{FF2B5EF4-FFF2-40B4-BE49-F238E27FC236}">
-                <a16:creationId xmlns:a16="http://schemas.microsoft.com/office/drawing/2014/main" id="{615F4CE9-A44E-4F84-9081-5AEE4E03537F}"/>
-              </a:ext>
-            </a:extLst>
-          </p:cNvPr>
+          <p:cNvPr id="6" name="圖片 5"/>
           <p:cNvPicPr>
             <a:picLocks noChangeAspect="1"/>
           </p:cNvPicPr>
           <p:nvPr/>
         </p:nvPicPr>
         <p:blipFill>
-          <a:blip r:embed="rId3"/>
+          <a:blip r:embed="rId3">
+            <a:extLst>
+              <a:ext uri="{28A0092B-C50C-407E-A947-70E740481C1C}">
+                <a14:useLocalDpi xmlns:a14="http://schemas.microsoft.com/office/drawing/2010/main" val="0"/>
+              </a:ext>
+            </a:extLst>
+          </a:blip>
           <a:stretch>
             <a:fillRect/>
           </a:stretch>
         </p:blipFill>
         <p:spPr>
           <a:xfrm>
-            <a:off x="1262742" y="1433695"/>
-            <a:ext cx="3952049" cy="5109346"/>
+            <a:off x="820058" y="1270000"/>
+            <a:ext cx="5402978" cy="5383519"/>
           </a:xfrm>
           <a:prstGeom prst="rect">
             <a:avLst/>
@@ -6038,10 +6640,17 @@
   <p:clrMapOvr>
     <a:masterClrMapping/>
   </p:clrMapOvr>
+  <p:timing>
+    <p:tnLst>
+      <p:par>
+        <p:cTn id="1" dur="indefinite" restart="never" nodeType="tmRoot"/>
+      </p:par>
+    </p:tnLst>
+  </p:timing>
 </p:sld>
 </file>
 
-<file path=ppt/slides/slide11.xml><?xml version="1.0" encoding="utf-8"?>
+<file path=ppt/slides/slide14.xml><?xml version="1.0" encoding="utf-8"?>
 <p:sld xmlns:a="http://schemas.openxmlformats.org/drawingml/2006/main" xmlns:r="http://schemas.openxmlformats.org/officeDocument/2006/relationships" xmlns:p="http://schemas.openxmlformats.org/presentationml/2006/main">
   <p:cSld>
     <p:spTree>
@@ -6063,7 +6672,7 @@
           <p:cNvPr id="2" name="標題 1">
             <a:extLst>
               <a:ext uri="{FF2B5EF4-FFF2-40B4-BE49-F238E27FC236}">
-                <a16:creationId xmlns:a16="http://schemas.microsoft.com/office/drawing/2014/main" id="{76D4ACD2-4D39-4B64-A831-44AB3D8C58C4}"/>
+                <a16:creationId xmlns:a16="http://schemas.microsoft.com/office/drawing/2014/main" xmlns="" id="{76D4ACD2-4D39-4B64-A831-44AB3D8C58C4}"/>
               </a:ext>
             </a:extLst>
           </p:cNvPr>
@@ -6096,7 +6705,7 @@
           <p:cNvPr id="6" name="內容版面配置區 5">
             <a:extLst>
               <a:ext uri="{FF2B5EF4-FFF2-40B4-BE49-F238E27FC236}">
-                <a16:creationId xmlns:a16="http://schemas.microsoft.com/office/drawing/2014/main" id="{E15D3958-F54B-4141-93C6-0CED6F7416DB}"/>
+                <a16:creationId xmlns:a16="http://schemas.microsoft.com/office/drawing/2014/main" xmlns="" id="{E15D3958-F54B-4141-93C6-0CED6F7416DB}"/>
               </a:ext>
             </a:extLst>
           </p:cNvPr>
@@ -6115,7 +6724,7 @@
         </p:blipFill>
         <p:spPr>
           <a:xfrm>
-            <a:off x="6804022" y="1748734"/>
+            <a:off x="7120893" y="1739680"/>
             <a:ext cx="2957660" cy="1680266"/>
           </a:xfrm>
           <a:prstGeom prst="rect">
@@ -6154,28 +6763,28 @@
       </p:pic>
       <p:pic>
         <p:nvPicPr>
-          <p:cNvPr id="8" name="圖片 7">
-            <a:extLst>
-              <a:ext uri="{FF2B5EF4-FFF2-40B4-BE49-F238E27FC236}">
-                <a16:creationId xmlns:a16="http://schemas.microsoft.com/office/drawing/2014/main" id="{2EEC59E1-8FD4-4BFA-9C35-29F851E87320}"/>
-              </a:ext>
-            </a:extLst>
-          </p:cNvPr>
+          <p:cNvPr id="3" name="圖片 2"/>
           <p:cNvPicPr>
             <a:picLocks noChangeAspect="1"/>
           </p:cNvPicPr>
           <p:nvPr/>
         </p:nvPicPr>
         <p:blipFill>
-          <a:blip r:embed="rId3"/>
+          <a:blip r:embed="rId3">
+            <a:extLst>
+              <a:ext uri="{28A0092B-C50C-407E-A947-70E740481C1C}">
+                <a14:useLocalDpi xmlns:a14="http://schemas.microsoft.com/office/drawing/2010/main" val="0"/>
+              </a:ext>
+            </a:extLst>
+          </a:blip>
           <a:stretch>
             <a:fillRect/>
           </a:stretch>
         </p:blipFill>
         <p:spPr>
           <a:xfrm>
-            <a:off x="499513" y="1605280"/>
-            <a:ext cx="5596487" cy="4805680"/>
+            <a:off x="483087" y="1430327"/>
+            <a:ext cx="6513040" cy="5079115"/>
           </a:xfrm>
           <a:prstGeom prst="rect">
             <a:avLst/>
@@ -6195,7 +6804,7 @@
 </p:sld>
 </file>
 
-<file path=ppt/slides/slide12.xml><?xml version="1.0" encoding="utf-8"?>
+<file path=ppt/slides/slide15.xml><?xml version="1.0" encoding="utf-8"?>
 <p:sld xmlns:a="http://schemas.openxmlformats.org/drawingml/2006/main" xmlns:r="http://schemas.openxmlformats.org/officeDocument/2006/relationships" xmlns:p="http://schemas.openxmlformats.org/presentationml/2006/main">
   <p:cSld>
     <p:spTree>
@@ -6217,7 +6826,7 @@
           <p:cNvPr id="2" name="標題 1">
             <a:extLst>
               <a:ext uri="{FF2B5EF4-FFF2-40B4-BE49-F238E27FC236}">
-                <a16:creationId xmlns:a16="http://schemas.microsoft.com/office/drawing/2014/main" id="{4699D1F1-43B8-49A1-86BE-E130EE75637E}"/>
+                <a16:creationId xmlns:a16="http://schemas.microsoft.com/office/drawing/2014/main" xmlns="" id="{4699D1F1-43B8-49A1-86BE-E130EE75637E}"/>
               </a:ext>
             </a:extLst>
           </p:cNvPr>
@@ -6244,6 +6853,10 @@
             <a:r>
               <a:rPr lang="en-US" altLang="zh-TW" sz="5400" dirty="0"/>
               <a:t>Demo Time</a:t>
+            </a:r>
+            <a:r>
+              <a:rPr lang="en-US" altLang="zh-TW" sz="4400" dirty="0"/>
+              <a:t/>
             </a:r>
             <a:br>
               <a:rPr lang="en-US" altLang="zh-TW" sz="4400" dirty="0"/>
@@ -6269,7 +6882,7 @@
 </p:sld>
 </file>
 
-<file path=ppt/slides/slide13.xml><?xml version="1.0" encoding="utf-8"?>
+<file path=ppt/slides/slide16.xml><?xml version="1.0" encoding="utf-8"?>
 <p:sld xmlns:a="http://schemas.openxmlformats.org/drawingml/2006/main" xmlns:r="http://schemas.openxmlformats.org/officeDocument/2006/relationships" xmlns:p="http://schemas.openxmlformats.org/presentationml/2006/main">
   <p:cSld>
     <p:spTree>
@@ -6291,7 +6904,7 @@
           <p:cNvPr id="2" name="標題 1">
             <a:extLst>
               <a:ext uri="{FF2B5EF4-FFF2-40B4-BE49-F238E27FC236}">
-                <a16:creationId xmlns:a16="http://schemas.microsoft.com/office/drawing/2014/main" id="{6A359465-EDD3-4651-9F4B-1719D909F2E5}"/>
+                <a16:creationId xmlns:a16="http://schemas.microsoft.com/office/drawing/2014/main" xmlns="" id="{6A359465-EDD3-4651-9F4B-1719D909F2E5}"/>
               </a:ext>
             </a:extLst>
           </p:cNvPr>
@@ -6358,7 +6971,7 @@
           <p:cNvPr id="2" name="標題 1">
             <a:extLst>
               <a:ext uri="{FF2B5EF4-FFF2-40B4-BE49-F238E27FC236}">
-                <a16:creationId xmlns:a16="http://schemas.microsoft.com/office/drawing/2014/main" id="{FE2BF40C-2393-4450-BB0E-62895DB754E1}"/>
+                <a16:creationId xmlns:a16="http://schemas.microsoft.com/office/drawing/2014/main" xmlns="" id="{FE2BF40C-2393-4450-BB0E-62895DB754E1}"/>
               </a:ext>
             </a:extLst>
           </p:cNvPr>
@@ -6388,7 +7001,7 @@
           <p:cNvPr id="3" name="內容版面配置區 2">
             <a:extLst>
               <a:ext uri="{FF2B5EF4-FFF2-40B4-BE49-F238E27FC236}">
-                <a16:creationId xmlns:a16="http://schemas.microsoft.com/office/drawing/2014/main" id="{386CCBA9-2534-42CC-91D8-464A0AD42F81}"/>
+                <a16:creationId xmlns:a16="http://schemas.microsoft.com/office/drawing/2014/main" xmlns="" id="{386CCBA9-2534-42CC-91D8-464A0AD42F81}"/>
               </a:ext>
             </a:extLst>
           </p:cNvPr>
@@ -6444,6 +7057,13 @@
   <p:clrMapOvr>
     <a:masterClrMapping/>
   </p:clrMapOvr>
+  <p:timing>
+    <p:tnLst>
+      <p:par>
+        <p:cTn id="1" dur="indefinite" restart="never" nodeType="tmRoot"/>
+      </p:par>
+    </p:tnLst>
+  </p:timing>
 </p:sld>
 </file>
 
@@ -6469,7 +7089,7 @@
           <p:cNvPr id="2" name="標題 1">
             <a:extLst>
               <a:ext uri="{FF2B5EF4-FFF2-40B4-BE49-F238E27FC236}">
-                <a16:creationId xmlns:a16="http://schemas.microsoft.com/office/drawing/2014/main" id="{63EE7F85-CB45-476A-8717-130C234BCC3E}"/>
+                <a16:creationId xmlns:a16="http://schemas.microsoft.com/office/drawing/2014/main" xmlns="" id="{63EE7F85-CB45-476A-8717-130C234BCC3E}"/>
               </a:ext>
             </a:extLst>
           </p:cNvPr>
@@ -6480,7 +7100,12 @@
             <p:ph type="title"/>
           </p:nvPr>
         </p:nvSpPr>
-        <p:spPr/>
+        <p:spPr>
+          <a:xfrm>
+            <a:off x="795029" y="609600"/>
+            <a:ext cx="5189312" cy="1320800"/>
+          </a:xfrm>
+        </p:spPr>
         <p:txBody>
           <a:bodyPr/>
           <a:lstStyle/>
@@ -6499,19 +7124,13 @@
       </p:sp>
       <p:pic>
         <p:nvPicPr>
-          <p:cNvPr id="1026" name="Picture 2" descr="https://scontent-hkg3-2.xx.fbcdn.net/v/t34.0-12/26755682_1599460866775885_100015563_n.png?oh=e2a7e7f5b6e9e98119d8077a9e50209e&amp;oe=5A5D8368">
-            <a:extLst>
-              <a:ext uri="{FF2B5EF4-FFF2-40B4-BE49-F238E27FC236}">
-                <a16:creationId xmlns:a16="http://schemas.microsoft.com/office/drawing/2014/main" id="{796480CD-11A8-41E7-ADA0-CDC37FFF0512}"/>
-              </a:ext>
-            </a:extLst>
-          </p:cNvPr>
+          <p:cNvPr id="3" name="圖片 2"/>
           <p:cNvPicPr>
-            <a:picLocks noChangeAspect="1" noChangeArrowheads="1"/>
+            <a:picLocks noChangeAspect="1"/>
           </p:cNvPicPr>
           <p:nvPr/>
         </p:nvPicPr>
-        <p:blipFill>
+        <p:blipFill rotWithShape="1">
           <a:blip r:embed="rId2">
             <a:extLst>
               <a:ext uri="{28A0092B-C50C-407E-A947-70E740481C1C}">
@@ -6519,57 +7138,17 @@
               </a:ext>
             </a:extLst>
           </a:blip>
-          <a:srcRect/>
-          <a:stretch>
-            <a:fillRect/>
-          </a:stretch>
+          <a:srcRect l="-1" t="6063" r="438" b="3914"/>
+          <a:stretch/>
         </p:blipFill>
-        <p:spPr bwMode="auto">
+        <p:spPr>
           <a:xfrm>
-            <a:off x="845209" y="1930400"/>
-            <a:ext cx="8260918" cy="3778250"/>
+            <a:off x="2468474" y="1930400"/>
+            <a:ext cx="6805528" cy="3512745"/>
           </a:xfrm>
           <a:prstGeom prst="rect">
             <a:avLst/>
           </a:prstGeom>
-          <a:solidFill>
-            <a:srgbClr val="FFFFFF">
-              <a:shade val="85000"/>
-            </a:srgbClr>
-          </a:solidFill>
-          <a:ln w="190500" cap="rnd">
-            <a:solidFill>
-              <a:srgbClr val="FFFFFF"/>
-            </a:solidFill>
-          </a:ln>
-          <a:effectLst>
-            <a:outerShdw blurRad="50000" algn="tl" rotWithShape="0">
-              <a:srgbClr val="000000">
-                <a:alpha val="41000"/>
-              </a:srgbClr>
-            </a:outerShdw>
-          </a:effectLst>
-          <a:scene3d>
-            <a:camera prst="orthographicFront"/>
-            <a:lightRig rig="twoPt" dir="t">
-              <a:rot lat="0" lon="0" rev="7800000"/>
-            </a:lightRig>
-          </a:scene3d>
-          <a:sp3d contourW="6350">
-            <a:bevelT w="50800" h="16510"/>
-            <a:contourClr>
-              <a:srgbClr val="C0C0C0"/>
-            </a:contourClr>
-          </a:sp3d>
-          <a:extLst>
-            <a:ext uri="{909E8E84-426E-40DD-AFC4-6F175D3DCCD1}">
-              <a14:hiddenFill xmlns:a14="http://schemas.microsoft.com/office/drawing/2010/main">
-                <a:solidFill>
-                  <a:srgbClr val="FFFFFF"/>
-                </a:solidFill>
-              </a14:hiddenFill>
-            </a:ext>
-          </a:extLst>
         </p:spPr>
       </p:pic>
     </p:spTree>
@@ -6582,6 +7161,13 @@
   <p:clrMapOvr>
     <a:masterClrMapping/>
   </p:clrMapOvr>
+  <p:timing>
+    <p:tnLst>
+      <p:par>
+        <p:cTn id="1" dur="indefinite" restart="never" nodeType="tmRoot"/>
+      </p:par>
+    </p:tnLst>
+  </p:timing>
 </p:sld>
 </file>
 
@@ -6607,7 +7193,7 @@
           <p:cNvPr id="2" name="標題 1">
             <a:extLst>
               <a:ext uri="{FF2B5EF4-FFF2-40B4-BE49-F238E27FC236}">
-                <a16:creationId xmlns:a16="http://schemas.microsoft.com/office/drawing/2014/main" id="{78FB1FC1-8369-46E8-ABDB-27C5C1D1EAF6}"/>
+                <a16:creationId xmlns:a16="http://schemas.microsoft.com/office/drawing/2014/main" xmlns="" id="{78FB1FC1-8369-46E8-ABDB-27C5C1D1EAF6}"/>
               </a:ext>
             </a:extLst>
           </p:cNvPr>
@@ -6640,7 +7226,7 @@
           <p:cNvPr id="3" name="內容版面配置區 2">
             <a:extLst>
               <a:ext uri="{FF2B5EF4-FFF2-40B4-BE49-F238E27FC236}">
-                <a16:creationId xmlns:a16="http://schemas.microsoft.com/office/drawing/2014/main" id="{C4D2F13C-7CFC-43C7-AF73-FE55158E25BD}"/>
+                <a16:creationId xmlns:a16="http://schemas.microsoft.com/office/drawing/2014/main" xmlns="" id="{C4D2F13C-7CFC-43C7-AF73-FE55158E25BD}"/>
               </a:ext>
             </a:extLst>
           </p:cNvPr>
@@ -6721,6 +7307,13 @@
   <p:clrMapOvr>
     <a:masterClrMapping/>
   </p:clrMapOvr>
+  <p:timing>
+    <p:tnLst>
+      <p:par>
+        <p:cTn id="1" dur="indefinite" restart="never" nodeType="tmRoot"/>
+      </p:par>
+    </p:tnLst>
+  </p:timing>
 </p:sld>
 </file>
 
@@ -6743,13 +7336,7 @@
       </p:grpSpPr>
       <p:sp>
         <p:nvSpPr>
-          <p:cNvPr id="2" name="標題 1">
-            <a:extLst>
-              <a:ext uri="{FF2B5EF4-FFF2-40B4-BE49-F238E27FC236}">
-                <a16:creationId xmlns:a16="http://schemas.microsoft.com/office/drawing/2014/main" id="{C4CC2DC2-344C-4689-8E1E-4D67ECF8FDF2}"/>
-              </a:ext>
-            </a:extLst>
-          </p:cNvPr>
+          <p:cNvPr id="2" name="標題 1"/>
           <p:cNvSpPr>
             <a:spLocks noGrp="1"/>
           </p:cNvSpPr>
@@ -6757,18 +7344,19 @@
             <p:ph type="title"/>
           </p:nvPr>
         </p:nvSpPr>
-        <p:spPr/>
+        <p:spPr>
+          <a:xfrm>
+            <a:off x="731654" y="698123"/>
+            <a:ext cx="8596668" cy="1320800"/>
+          </a:xfrm>
+        </p:spPr>
         <p:txBody>
           <a:bodyPr/>
           <a:lstStyle/>
           <a:p>
             <a:r>
-              <a:rPr lang="zh-TW" altLang="en-US" dirty="0"/>
-              <a:t>主要程式介紹：</a:t>
-            </a:r>
-            <a:r>
-              <a:rPr lang="en-US" altLang="zh-TW" dirty="0" err="1"/>
-              <a:t>Main.jack</a:t>
+              <a:rPr lang="zh-TW" altLang="en-US" dirty="0" smtClean="0"/>
+              <a:t>遊戲選單</a:t>
             </a:r>
             <a:endParaRPr lang="zh-TW" altLang="en-US" dirty="0"/>
           </a:p>
@@ -6776,28 +7364,23 @@
       </p:sp>
       <p:pic>
         <p:nvPicPr>
-          <p:cNvPr id="5" name="圖片 4">
-            <a:extLst>
-              <a:ext uri="{FF2B5EF4-FFF2-40B4-BE49-F238E27FC236}">
-                <a16:creationId xmlns:a16="http://schemas.microsoft.com/office/drawing/2014/main" id="{AF29A078-1951-46E3-AF04-B86D5C899237}"/>
-              </a:ext>
-            </a:extLst>
-          </p:cNvPr>
+          <p:cNvPr id="4" name="內容版面配置區 3"/>
           <p:cNvPicPr>
-            <a:picLocks noChangeAspect="1"/>
+            <a:picLocks noGrp="1" noChangeAspect="1"/>
           </p:cNvPicPr>
-          <p:nvPr/>
+          <p:nvPr>
+            <p:ph idx="1"/>
+          </p:nvPr>
         </p:nvPicPr>
-        <p:blipFill>
+        <p:blipFill rotWithShape="1">
           <a:blip r:embed="rId2"/>
-          <a:stretch>
-            <a:fillRect/>
-          </a:stretch>
+          <a:srcRect l="49787" t="31358" r="23903" b="44794"/>
+          <a:stretch/>
         </p:blipFill>
         <p:spPr>
           <a:xfrm>
-            <a:off x="1761957" y="2118189"/>
-            <a:ext cx="7512045" cy="3167060"/>
+            <a:off x="1843510" y="2018923"/>
+            <a:ext cx="7038777" cy="3588775"/>
           </a:xfrm>
           <a:prstGeom prst="rect">
             <a:avLst/>
@@ -6807,13 +7390,20 @@
     </p:spTree>
     <p:extLst>
       <p:ext uri="{BB962C8B-B14F-4D97-AF65-F5344CB8AC3E}">
-        <p14:creationId xmlns:p14="http://schemas.microsoft.com/office/powerpoint/2010/main" val="3675449686"/>
+        <p14:creationId xmlns:p14="http://schemas.microsoft.com/office/powerpoint/2010/main" val="2260967200"/>
       </p:ext>
     </p:extLst>
   </p:cSld>
   <p:clrMapOvr>
     <a:masterClrMapping/>
   </p:clrMapOvr>
+  <p:timing>
+    <p:tnLst>
+      <p:par>
+        <p:cTn id="1" dur="indefinite" restart="never" nodeType="tmRoot"/>
+      </p:par>
+    </p:tnLst>
+  </p:timing>
 </p:sld>
 </file>
 
@@ -6836,13 +7426,7 @@
       </p:grpSpPr>
       <p:sp>
         <p:nvSpPr>
-          <p:cNvPr id="2" name="標題 1">
-            <a:extLst>
-              <a:ext uri="{FF2B5EF4-FFF2-40B4-BE49-F238E27FC236}">
-                <a16:creationId xmlns:a16="http://schemas.microsoft.com/office/drawing/2014/main" id="{15D12A9E-635D-459C-92F5-B252831489DC}"/>
-              </a:ext>
-            </a:extLst>
-          </p:cNvPr>
+          <p:cNvPr id="2" name="標題 1"/>
           <p:cNvSpPr>
             <a:spLocks noGrp="1"/>
           </p:cNvSpPr>
@@ -6850,29 +7434,19 @@
             <p:ph type="title"/>
           </p:nvPr>
         </p:nvSpPr>
-        <p:spPr/>
+        <p:spPr>
+          <a:xfrm>
+            <a:off x="740709" y="691081"/>
+            <a:ext cx="8596668" cy="1320800"/>
+          </a:xfrm>
+        </p:spPr>
         <p:txBody>
           <a:bodyPr/>
           <a:lstStyle/>
           <a:p>
             <a:r>
-              <a:rPr lang="zh-TW" altLang="en-US" dirty="0"/>
-              <a:t>主要程式介紹：</a:t>
-            </a:r>
-            <a:br>
-              <a:rPr lang="en-US" altLang="zh-TW" dirty="0"/>
-            </a:br>
-            <a:r>
-              <a:rPr lang="en-US" altLang="zh-TW" dirty="0" err="1"/>
-              <a:t>RacingGame.jack</a:t>
-            </a:r>
-            <a:r>
-              <a:rPr lang="zh-TW" altLang="en-US" dirty="0"/>
-              <a:t>*</a:t>
-            </a:r>
-            <a:r>
-              <a:rPr lang="en-US" altLang="zh-TW" dirty="0"/>
-              <a:t>(1)</a:t>
+              <a:rPr lang="zh-TW" altLang="en-US" dirty="0" smtClean="0"/>
+              <a:t>遊戲結束</a:t>
             </a:r>
             <a:endParaRPr lang="zh-TW" altLang="en-US" dirty="0"/>
           </a:p>
@@ -6880,113 +7454,46 @@
       </p:sp>
       <p:pic>
         <p:nvPicPr>
-          <p:cNvPr id="5" name="圖片 4">
-            <a:extLst>
-              <a:ext uri="{FF2B5EF4-FFF2-40B4-BE49-F238E27FC236}">
-                <a16:creationId xmlns:a16="http://schemas.microsoft.com/office/drawing/2014/main" id="{1A0A75C5-8838-4394-B523-80052515533D}"/>
-              </a:ext>
-            </a:extLst>
-          </p:cNvPr>
+          <p:cNvPr id="4" name="內容版面配置區 3"/>
           <p:cNvPicPr>
-            <a:picLocks noChangeAspect="1"/>
+            <a:picLocks noGrp="1" noChangeAspect="1"/>
           </p:cNvPicPr>
-          <p:nvPr/>
+          <p:nvPr>
+            <p:ph idx="1"/>
+          </p:nvPr>
         </p:nvPicPr>
-        <p:blipFill>
+        <p:blipFill rotWithShape="1">
           <a:blip r:embed="rId2"/>
-          <a:stretch>
-            <a:fillRect/>
-          </a:stretch>
+          <a:srcRect l="49262" t="31804" r="23841" b="45104"/>
+          <a:stretch/>
         </p:blipFill>
         <p:spPr>
           <a:xfrm>
-            <a:off x="156250" y="2073060"/>
-            <a:ext cx="5857346" cy="2966300"/>
+            <a:off x="1819747" y="2011881"/>
+            <a:ext cx="6835366" cy="3311557"/>
           </a:xfrm>
           <a:prstGeom prst="rect">
             <a:avLst/>
           </a:prstGeom>
         </p:spPr>
       </p:pic>
-      <p:pic>
-        <p:nvPicPr>
-          <p:cNvPr id="7" name="圖片 6">
-            <a:extLst>
-              <a:ext uri="{FF2B5EF4-FFF2-40B4-BE49-F238E27FC236}">
-                <a16:creationId xmlns:a16="http://schemas.microsoft.com/office/drawing/2014/main" id="{10C1D69E-9723-42FD-B792-992F24EDF632}"/>
-              </a:ext>
-            </a:extLst>
-          </p:cNvPr>
-          <p:cNvPicPr>
-            <a:picLocks noChangeAspect="1"/>
-          </p:cNvPicPr>
-          <p:nvPr/>
-        </p:nvPicPr>
-        <p:blipFill>
-          <a:blip r:embed="rId3"/>
-          <a:stretch>
-            <a:fillRect/>
-          </a:stretch>
-        </p:blipFill>
-        <p:spPr>
-          <a:xfrm>
-            <a:off x="6178406" y="609600"/>
-            <a:ext cx="5794482" cy="5506720"/>
-          </a:xfrm>
-          <a:prstGeom prst="rect">
-            <a:avLst/>
-          </a:prstGeom>
-        </p:spPr>
-      </p:pic>
-      <p:sp>
-        <p:nvSpPr>
-          <p:cNvPr id="3" name="文字方塊 2">
-            <a:extLst>
-              <a:ext uri="{FF2B5EF4-FFF2-40B4-BE49-F238E27FC236}">
-                <a16:creationId xmlns:a16="http://schemas.microsoft.com/office/drawing/2014/main" id="{E4A53AEA-0CC9-4696-A946-3191D1117E4D}"/>
-              </a:ext>
-            </a:extLst>
-          </p:cNvPr>
-          <p:cNvSpPr txBox="1"/>
-          <p:nvPr/>
-        </p:nvSpPr>
-        <p:spPr>
-          <a:xfrm>
-            <a:off x="1423987" y="5469989"/>
-            <a:ext cx="3114676" cy="646331"/>
-          </a:xfrm>
-          <a:prstGeom prst="rect">
-            <a:avLst/>
-          </a:prstGeom>
-          <a:noFill/>
-        </p:spPr>
-        <p:txBody>
-          <a:bodyPr wrap="square" rtlCol="0">
-            <a:spAutoFit/>
-          </a:bodyPr>
-          <a:lstStyle/>
-          <a:p>
-            <a:r>
-              <a:rPr lang="zh-TW" altLang="en-US" dirty="0"/>
-              <a:t>註*：本來打算做賽車遊戲的</a:t>
-            </a:r>
-            <a:endParaRPr lang="en-US" altLang="zh-TW" dirty="0"/>
-          </a:p>
-          <a:p>
-            <a:endParaRPr lang="zh-TW" altLang="en-US" dirty="0"/>
-          </a:p>
-        </p:txBody>
-      </p:sp>
     </p:spTree>
     <p:extLst>
       <p:ext uri="{BB962C8B-B14F-4D97-AF65-F5344CB8AC3E}">
-        <p14:creationId xmlns:p14="http://schemas.microsoft.com/office/powerpoint/2010/main" val="1038722943"/>
+        <p14:creationId xmlns:p14="http://schemas.microsoft.com/office/powerpoint/2010/main" val="2986751164"/>
       </p:ext>
     </p:extLst>
   </p:cSld>
   <p:clrMapOvr>
     <a:masterClrMapping/>
   </p:clrMapOvr>
+  <p:timing>
+    <p:tnLst>
+      <p:par>
+        <p:cTn id="1" dur="indefinite" restart="never" nodeType="tmRoot"/>
+      </p:par>
+    </p:tnLst>
+  </p:timing>
 </p:sld>
 </file>
 
@@ -7012,7 +7519,7 @@
           <p:cNvPr id="2" name="標題 1">
             <a:extLst>
               <a:ext uri="{FF2B5EF4-FFF2-40B4-BE49-F238E27FC236}">
-                <a16:creationId xmlns:a16="http://schemas.microsoft.com/office/drawing/2014/main" id="{ED3E856E-AC62-41D4-8A87-BFD62BE2EF81}"/>
+                <a16:creationId xmlns:a16="http://schemas.microsoft.com/office/drawing/2014/main" xmlns="" id="{C4CC2DC2-344C-4689-8E1E-4D67ECF8FDF2}"/>
               </a:ext>
             </a:extLst>
           </p:cNvPr>
@@ -7032,16 +7539,9 @@
               <a:rPr lang="zh-TW" altLang="en-US" dirty="0"/>
               <a:t>主要程式介紹：</a:t>
             </a:r>
-            <a:br>
-              <a:rPr lang="en-US" altLang="zh-TW" dirty="0"/>
-            </a:br>
             <a:r>
               <a:rPr lang="en-US" altLang="zh-TW" dirty="0" err="1"/>
-              <a:t>RacingGame.jack</a:t>
-            </a:r>
-            <a:r>
-              <a:rPr lang="en-US" altLang="zh-TW" dirty="0"/>
-              <a:t>(2)</a:t>
+              <a:t>Main.jack</a:t>
             </a:r>
             <a:endParaRPr lang="zh-TW" altLang="en-US" dirty="0"/>
           </a:p>
@@ -7049,58 +7549,28 @@
       </p:sp>
       <p:pic>
         <p:nvPicPr>
-          <p:cNvPr id="5" name="圖片 4">
-            <a:extLst>
-              <a:ext uri="{FF2B5EF4-FFF2-40B4-BE49-F238E27FC236}">
-                <a16:creationId xmlns:a16="http://schemas.microsoft.com/office/drawing/2014/main" id="{D15C9E1B-E1C9-4932-93A9-3F0AA7B9E6AC}"/>
-              </a:ext>
-            </a:extLst>
-          </p:cNvPr>
+          <p:cNvPr id="8" name="圖片 7"/>
           <p:cNvPicPr>
             <a:picLocks noChangeAspect="1"/>
           </p:cNvPicPr>
           <p:nvPr/>
         </p:nvPicPr>
         <p:blipFill>
-          <a:blip r:embed="rId2"/>
+          <a:blip r:embed="rId2">
+            <a:extLst>
+              <a:ext uri="{28A0092B-C50C-407E-A947-70E740481C1C}">
+                <a14:useLocalDpi xmlns:a14="http://schemas.microsoft.com/office/drawing/2010/main" val="0"/>
+              </a:ext>
+            </a:extLst>
+          </a:blip>
           <a:stretch>
             <a:fillRect/>
           </a:stretch>
         </p:blipFill>
         <p:spPr>
           <a:xfrm>
-            <a:off x="802641" y="2233311"/>
-            <a:ext cx="6006205" cy="4015089"/>
-          </a:xfrm>
-          <a:prstGeom prst="rect">
-            <a:avLst/>
-          </a:prstGeom>
-        </p:spPr>
-      </p:pic>
-      <p:pic>
-        <p:nvPicPr>
-          <p:cNvPr id="7" name="圖片 6">
-            <a:extLst>
-              <a:ext uri="{FF2B5EF4-FFF2-40B4-BE49-F238E27FC236}">
-                <a16:creationId xmlns:a16="http://schemas.microsoft.com/office/drawing/2014/main" id="{A9E4E0E5-3772-49D2-AE19-43A085CE22FE}"/>
-              </a:ext>
-            </a:extLst>
-          </p:cNvPr>
-          <p:cNvPicPr>
-            <a:picLocks noChangeAspect="1"/>
-          </p:cNvPicPr>
-          <p:nvPr/>
-        </p:nvPicPr>
-        <p:blipFill>
-          <a:blip r:embed="rId3"/>
-          <a:stretch>
-            <a:fillRect/>
-          </a:stretch>
-        </p:blipFill>
-        <p:spPr>
-          <a:xfrm>
-            <a:off x="6905974" y="2233310"/>
-            <a:ext cx="4483385" cy="3004195"/>
+            <a:off x="1903349" y="1581008"/>
+            <a:ext cx="7534275" cy="4981575"/>
           </a:xfrm>
           <a:prstGeom prst="rect">
             <a:avLst/>
@@ -7110,13 +7580,20 @@
     </p:spTree>
     <p:extLst>
       <p:ext uri="{BB962C8B-B14F-4D97-AF65-F5344CB8AC3E}">
-        <p14:creationId xmlns:p14="http://schemas.microsoft.com/office/powerpoint/2010/main" val="2832007627"/>
+        <p14:creationId xmlns:p14="http://schemas.microsoft.com/office/powerpoint/2010/main" val="3675449686"/>
       </p:ext>
     </p:extLst>
   </p:cSld>
   <p:clrMapOvr>
     <a:masterClrMapping/>
   </p:clrMapOvr>
+  <p:timing>
+    <p:tnLst>
+      <p:par>
+        <p:cTn id="1" dur="indefinite" restart="never" nodeType="tmRoot"/>
+      </p:par>
+    </p:tnLst>
+  </p:timing>
 </p:sld>
 </file>
 
@@ -7142,7 +7619,7 @@
           <p:cNvPr id="2" name="標題 1">
             <a:extLst>
               <a:ext uri="{FF2B5EF4-FFF2-40B4-BE49-F238E27FC236}">
-                <a16:creationId xmlns:a16="http://schemas.microsoft.com/office/drawing/2014/main" id="{D6DFDD07-E10F-4AF0-9A38-C1B8BA56B532}"/>
+                <a16:creationId xmlns:a16="http://schemas.microsoft.com/office/drawing/2014/main" xmlns="" id="{15D12A9E-635D-459C-92F5-B252831489DC}"/>
               </a:ext>
             </a:extLst>
           </p:cNvPr>
@@ -7164,72 +7641,120 @@
             </a:r>
             <a:r>
               <a:rPr lang="en-US" altLang="zh-TW" dirty="0"/>
-              <a:t> </a:t>
-            </a:r>
-            <a:r>
-              <a:rPr lang="en-US" altLang="zh-TW" dirty="0" err="1"/>
-              <a:t>Ball.jack</a:t>
+              <a:t/>
             </a:r>
             <a:br>
               <a:rPr lang="en-US" altLang="zh-TW" dirty="0"/>
             </a:br>
+            <a:r>
+              <a:rPr lang="en-US" altLang="zh-TW" dirty="0" err="1"/>
+              <a:t>RacingGame.jack</a:t>
+            </a:r>
+            <a:r>
+              <a:rPr lang="zh-TW" altLang="en-US" dirty="0"/>
+              <a:t>*</a:t>
+            </a:r>
+            <a:r>
+              <a:rPr lang="en-US" altLang="zh-TW" dirty="0"/>
+              <a:t>(1)</a:t>
+            </a:r>
             <a:endParaRPr lang="zh-TW" altLang="en-US" dirty="0"/>
           </a:p>
         </p:txBody>
       </p:sp>
-      <p:pic>
-        <p:nvPicPr>
-          <p:cNvPr id="5" name="內容版面配置區 4">
+      <p:sp>
+        <p:nvSpPr>
+          <p:cNvPr id="3" name="文字方塊 2">
             <a:extLst>
               <a:ext uri="{FF2B5EF4-FFF2-40B4-BE49-F238E27FC236}">
-                <a16:creationId xmlns:a16="http://schemas.microsoft.com/office/drawing/2014/main" id="{94CE07D4-EF25-432B-81DB-6C5B9F4C880A}"/>
+                <a16:creationId xmlns:a16="http://schemas.microsoft.com/office/drawing/2014/main" xmlns="" id="{E4A53AEA-0CC9-4696-A946-3191D1117E4D}"/>
               </a:ext>
             </a:extLst>
           </p:cNvPr>
+          <p:cNvSpPr txBox="1"/>
+          <p:nvPr/>
+        </p:nvSpPr>
+        <p:spPr>
+          <a:xfrm>
+            <a:off x="6059362" y="5723486"/>
+            <a:ext cx="3114676" cy="646331"/>
+          </a:xfrm>
+          <a:prstGeom prst="rect">
+            <a:avLst/>
+          </a:prstGeom>
+          <a:noFill/>
+        </p:spPr>
+        <p:txBody>
+          <a:bodyPr wrap="square" rtlCol="0">
+            <a:spAutoFit/>
+          </a:bodyPr>
+          <a:lstStyle/>
+          <a:p>
+            <a:r>
+              <a:rPr lang="zh-TW" altLang="en-US" dirty="0"/>
+              <a:t>註*：本來打算做賽車遊戲的</a:t>
+            </a:r>
+            <a:endParaRPr lang="en-US" altLang="zh-TW" dirty="0"/>
+          </a:p>
+          <a:p>
+            <a:endParaRPr lang="zh-TW" altLang="en-US" dirty="0"/>
+          </a:p>
+        </p:txBody>
+      </p:sp>
+      <p:pic>
+        <p:nvPicPr>
+          <p:cNvPr id="8" name="圖片 7"/>
           <p:cNvPicPr>
-            <a:picLocks noGrp="1" noChangeAspect="1"/>
+            <a:picLocks noChangeAspect="1"/>
           </p:cNvPicPr>
-          <p:nvPr>
-            <p:ph idx="1"/>
-          </p:nvPr>
+          <p:nvPr/>
         </p:nvPicPr>
         <p:blipFill>
-          <a:blip r:embed="rId2"/>
+          <a:blip r:embed="rId2">
+            <a:extLst>
+              <a:ext uri="{28A0092B-C50C-407E-A947-70E740481C1C}">
+                <a14:useLocalDpi xmlns:a14="http://schemas.microsoft.com/office/drawing/2010/main" val="0"/>
+              </a:ext>
+            </a:extLst>
+          </a:blip>
           <a:stretch>
             <a:fillRect/>
           </a:stretch>
         </p:blipFill>
         <p:spPr>
           <a:xfrm>
-            <a:off x="677334" y="1549206"/>
-            <a:ext cx="5181075" cy="4750252"/>
+            <a:off x="5721790" y="1765425"/>
+            <a:ext cx="5238916" cy="3777275"/>
           </a:xfrm>
+          <a:prstGeom prst="rect">
+            <a:avLst/>
+          </a:prstGeom>
         </p:spPr>
       </p:pic>
       <p:pic>
         <p:nvPicPr>
-          <p:cNvPr id="7" name="圖片 6">
-            <a:extLst>
-              <a:ext uri="{FF2B5EF4-FFF2-40B4-BE49-F238E27FC236}">
-                <a16:creationId xmlns:a16="http://schemas.microsoft.com/office/drawing/2014/main" id="{7C02F8CA-E1A7-45AC-B3FB-174FE3D8E0EE}"/>
-              </a:ext>
-            </a:extLst>
-          </p:cNvPr>
+          <p:cNvPr id="9" name="圖片 8"/>
           <p:cNvPicPr>
             <a:picLocks noChangeAspect="1"/>
           </p:cNvPicPr>
           <p:nvPr/>
         </p:nvPicPr>
         <p:blipFill>
-          <a:blip r:embed="rId3"/>
+          <a:blip r:embed="rId3">
+            <a:extLst>
+              <a:ext uri="{28A0092B-C50C-407E-A947-70E740481C1C}">
+                <a14:useLocalDpi xmlns:a14="http://schemas.microsoft.com/office/drawing/2010/main" val="0"/>
+              </a:ext>
+            </a:extLst>
+          </a:blip>
           <a:stretch>
             <a:fillRect/>
           </a:stretch>
         </p:blipFill>
         <p:spPr>
           <a:xfrm>
-            <a:off x="6096000" y="1270000"/>
-            <a:ext cx="5448580" cy="5029458"/>
+            <a:off x="840210" y="1765425"/>
+            <a:ext cx="4881580" cy="4970336"/>
           </a:xfrm>
           <a:prstGeom prst="rect">
             <a:avLst/>
@@ -7239,13 +7764,20 @@
     </p:spTree>
     <p:extLst>
       <p:ext uri="{BB962C8B-B14F-4D97-AF65-F5344CB8AC3E}">
-        <p14:creationId xmlns:p14="http://schemas.microsoft.com/office/powerpoint/2010/main" val="579046416"/>
+        <p14:creationId xmlns:p14="http://schemas.microsoft.com/office/powerpoint/2010/main" val="1038722943"/>
       </p:ext>
     </p:extLst>
   </p:cSld>
   <p:clrMapOvr>
     <a:masterClrMapping/>
   </p:clrMapOvr>
+  <p:timing>
+    <p:tnLst>
+      <p:par>
+        <p:cTn id="1" dur="indefinite" restart="never" nodeType="tmRoot"/>
+      </p:par>
+    </p:tnLst>
+  </p:timing>
 </p:sld>
 </file>
 
@@ -7271,7 +7803,7 @@
           <p:cNvPr id="2" name="標題 1">
             <a:extLst>
               <a:ext uri="{FF2B5EF4-FFF2-40B4-BE49-F238E27FC236}">
-                <a16:creationId xmlns:a16="http://schemas.microsoft.com/office/drawing/2014/main" id="{32637F15-B57F-4F76-A85B-AC3DD7187CE3}"/>
+                <a16:creationId xmlns:a16="http://schemas.microsoft.com/office/drawing/2014/main" xmlns="" id="{ED3E856E-AC62-41D4-8A87-BFD62BE2EF81}"/>
               </a:ext>
             </a:extLst>
           </p:cNvPr>
@@ -7292,8 +7824,19 @@
               <a:t>主要程式介紹：</a:t>
             </a:r>
             <a:r>
+              <a:rPr lang="en-US" altLang="zh-TW" dirty="0"/>
+              <a:t/>
+            </a:r>
+            <a:br>
+              <a:rPr lang="en-US" altLang="zh-TW" dirty="0"/>
+            </a:br>
+            <a:r>
               <a:rPr lang="en-US" altLang="zh-TW" dirty="0" err="1"/>
-              <a:t>Scene.Jack</a:t>
+              <a:t>RacingGame.jack</a:t>
+            </a:r>
+            <a:r>
+              <a:rPr lang="en-US" altLang="zh-TW" dirty="0"/>
+              <a:t>(2)</a:t>
             </a:r>
             <a:endParaRPr lang="zh-TW" altLang="en-US" dirty="0"/>
           </a:p>
@@ -7301,271 +7844,51 @@
       </p:sp>
       <p:pic>
         <p:nvPicPr>
-          <p:cNvPr id="5" name="圖片 4">
-            <a:extLst>
-              <a:ext uri="{FF2B5EF4-FFF2-40B4-BE49-F238E27FC236}">
-                <a16:creationId xmlns:a16="http://schemas.microsoft.com/office/drawing/2014/main" id="{CFBDD36C-C954-453D-9318-0AFA6B9B86A5}"/>
-              </a:ext>
-            </a:extLst>
-          </p:cNvPr>
+          <p:cNvPr id="3" name="圖片 2"/>
           <p:cNvPicPr>
             <a:picLocks noChangeAspect="1"/>
           </p:cNvPicPr>
           <p:nvPr/>
         </p:nvPicPr>
         <p:blipFill>
-          <a:blip r:embed="rId2"/>
+          <a:blip r:embed="rId2">
+            <a:extLst>
+              <a:ext uri="{28A0092B-C50C-407E-A947-70E740481C1C}">
+                <a14:useLocalDpi xmlns:a14="http://schemas.microsoft.com/office/drawing/2010/main" val="0"/>
+              </a:ext>
+            </a:extLst>
+          </a:blip>
           <a:stretch>
             <a:fillRect/>
           </a:stretch>
         </p:blipFill>
         <p:spPr>
           <a:xfrm>
-            <a:off x="7797416" y="1270000"/>
-            <a:ext cx="1476586" cy="4921952"/>
+            <a:off x="1550218" y="1852093"/>
+            <a:ext cx="7353300" cy="4819650"/>
           </a:xfrm>
           <a:prstGeom prst="rect">
             <a:avLst/>
           </a:prstGeom>
         </p:spPr>
       </p:pic>
-      <p:sp>
-        <p:nvSpPr>
-          <p:cNvPr id="6" name="圖說文字: 直線 5">
-            <a:extLst>
-              <a:ext uri="{FF2B5EF4-FFF2-40B4-BE49-F238E27FC236}">
-                <a16:creationId xmlns:a16="http://schemas.microsoft.com/office/drawing/2014/main" id="{FACF542A-86E4-4177-B2AA-C6E2F6F419A8}"/>
-              </a:ext>
-            </a:extLst>
-          </p:cNvPr>
-          <p:cNvSpPr/>
-          <p:nvPr/>
-        </p:nvSpPr>
-        <p:spPr>
-          <a:xfrm>
-            <a:off x="2495551" y="1681480"/>
-            <a:ext cx="4271010" cy="861695"/>
-          </a:xfrm>
-          <a:prstGeom prst="borderCallout1">
-            <a:avLst>
-              <a:gd name="adj1" fmla="val 50467"/>
-              <a:gd name="adj2" fmla="val 101653"/>
-              <a:gd name="adj3" fmla="val 55236"/>
-              <a:gd name="adj4" fmla="val 126649"/>
-            </a:avLst>
-          </a:prstGeom>
-        </p:spPr>
-        <p:style>
-          <a:lnRef idx="2">
-            <a:schemeClr val="accent1">
-              <a:shade val="50000"/>
-            </a:schemeClr>
-          </a:lnRef>
-          <a:fillRef idx="1">
-            <a:schemeClr val="accent1"/>
-          </a:fillRef>
-          <a:effectRef idx="0">
-            <a:schemeClr val="accent1"/>
-          </a:effectRef>
-          <a:fontRef idx="minor">
-            <a:schemeClr val="lt1"/>
-          </a:fontRef>
-        </p:style>
-        <p:txBody>
-          <a:bodyPr rtlCol="0" anchor="ctr"/>
-          <a:lstStyle/>
-          <a:p>
-            <a:pPr algn="ctr"/>
-            <a:r>
-              <a:rPr lang="en-US" altLang="zh-TW" dirty="0"/>
-              <a:t>Barrier’s Position</a:t>
-            </a:r>
-          </a:p>
-          <a:p>
-            <a:pPr algn="ctr"/>
-            <a:r>
-              <a:rPr lang="en-US" altLang="zh-TW" dirty="0"/>
-              <a:t>(Manual Computation)</a:t>
-            </a:r>
-            <a:endParaRPr lang="zh-TW" altLang="en-US" dirty="0"/>
-          </a:p>
-        </p:txBody>
-      </p:sp>
-      <p:sp>
-        <p:nvSpPr>
-          <p:cNvPr id="7" name="圖說文字: 直線 6">
-            <a:extLst>
-              <a:ext uri="{FF2B5EF4-FFF2-40B4-BE49-F238E27FC236}">
-                <a16:creationId xmlns:a16="http://schemas.microsoft.com/office/drawing/2014/main" id="{F7FFB074-214B-4023-9594-B8F1528FD0FB}"/>
-              </a:ext>
-            </a:extLst>
-          </p:cNvPr>
-          <p:cNvSpPr/>
-          <p:nvPr/>
-        </p:nvSpPr>
-        <p:spPr>
-          <a:xfrm>
-            <a:off x="2917997" y="2838450"/>
-            <a:ext cx="3563891" cy="421005"/>
-          </a:xfrm>
-          <a:prstGeom prst="borderCallout1">
-            <a:avLst>
-              <a:gd name="adj1" fmla="val 49698"/>
-              <a:gd name="adj2" fmla="val 102412"/>
-              <a:gd name="adj3" fmla="val 70076"/>
-              <a:gd name="adj4" fmla="val 138701"/>
-            </a:avLst>
-          </a:prstGeom>
-        </p:spPr>
-        <p:style>
-          <a:lnRef idx="2">
-            <a:schemeClr val="accent1">
-              <a:shade val="50000"/>
-            </a:schemeClr>
-          </a:lnRef>
-          <a:fillRef idx="1">
-            <a:schemeClr val="accent1"/>
-          </a:fillRef>
-          <a:effectRef idx="0">
-            <a:schemeClr val="accent1"/>
-          </a:effectRef>
-          <a:fontRef idx="minor">
-            <a:schemeClr val="lt1"/>
-          </a:fontRef>
-        </p:style>
-        <p:txBody>
-          <a:bodyPr rtlCol="0" anchor="ctr"/>
-          <a:lstStyle/>
-          <a:p>
-            <a:pPr algn="ctr"/>
-            <a:r>
-              <a:rPr lang="en-US" altLang="zh-TW" dirty="0"/>
-              <a:t>Draw Roads</a:t>
-            </a:r>
-            <a:endParaRPr lang="zh-TW" altLang="en-US" dirty="0"/>
-          </a:p>
-        </p:txBody>
-      </p:sp>
-      <p:sp>
-        <p:nvSpPr>
-          <p:cNvPr id="8" name="圖說文字: 直線 7">
-            <a:extLst>
-              <a:ext uri="{FF2B5EF4-FFF2-40B4-BE49-F238E27FC236}">
-                <a16:creationId xmlns:a16="http://schemas.microsoft.com/office/drawing/2014/main" id="{1C06E371-7A50-43C3-8147-44F0783E4804}"/>
-              </a:ext>
-            </a:extLst>
-          </p:cNvPr>
-          <p:cNvSpPr/>
-          <p:nvPr/>
-        </p:nvSpPr>
-        <p:spPr>
-          <a:xfrm>
-            <a:off x="3714750" y="5429250"/>
-            <a:ext cx="3190875" cy="421005"/>
-          </a:xfrm>
-          <a:prstGeom prst="borderCallout1">
-            <a:avLst>
-              <a:gd name="adj1" fmla="val 44837"/>
-              <a:gd name="adj2" fmla="val 101816"/>
-              <a:gd name="adj3" fmla="val -156101"/>
-              <a:gd name="adj4" fmla="val 131219"/>
-            </a:avLst>
-          </a:prstGeom>
-        </p:spPr>
-        <p:style>
-          <a:lnRef idx="2">
-            <a:schemeClr val="accent1">
-              <a:shade val="50000"/>
-            </a:schemeClr>
-          </a:lnRef>
-          <a:fillRef idx="1">
-            <a:schemeClr val="accent1"/>
-          </a:fillRef>
-          <a:effectRef idx="0">
-            <a:schemeClr val="accent1"/>
-          </a:effectRef>
-          <a:fontRef idx="minor">
-            <a:schemeClr val="lt1"/>
-          </a:fontRef>
-        </p:style>
-        <p:txBody>
-          <a:bodyPr rtlCol="0" anchor="ctr"/>
-          <a:lstStyle/>
-          <a:p>
-            <a:pPr algn="ctr"/>
-            <a:r>
-              <a:rPr lang="en-US" altLang="zh-TW" dirty="0"/>
-              <a:t>Update</a:t>
-            </a:r>
-            <a:endParaRPr lang="zh-TW" altLang="en-US" dirty="0"/>
-          </a:p>
-        </p:txBody>
-      </p:sp>
-      <p:sp>
-        <p:nvSpPr>
-          <p:cNvPr id="9" name="圖說文字: 直線 8">
-            <a:extLst>
-              <a:ext uri="{FF2B5EF4-FFF2-40B4-BE49-F238E27FC236}">
-                <a16:creationId xmlns:a16="http://schemas.microsoft.com/office/drawing/2014/main" id="{78BAC5A4-5202-46B8-8B80-4ED3477CC4A2}"/>
-              </a:ext>
-            </a:extLst>
-          </p:cNvPr>
-          <p:cNvSpPr/>
-          <p:nvPr/>
-        </p:nvSpPr>
-        <p:spPr>
-          <a:xfrm>
-            <a:off x="3648075" y="4438650"/>
-            <a:ext cx="3118486" cy="421005"/>
-          </a:xfrm>
-          <a:prstGeom prst="borderCallout1">
-            <a:avLst>
-              <a:gd name="adj1" fmla="val 34587"/>
-              <a:gd name="adj2" fmla="val 102846"/>
-              <a:gd name="adj3" fmla="val -14197"/>
-              <a:gd name="adj4" fmla="val 134850"/>
-            </a:avLst>
-          </a:prstGeom>
-        </p:spPr>
-        <p:style>
-          <a:lnRef idx="2">
-            <a:schemeClr val="accent1">
-              <a:shade val="50000"/>
-            </a:schemeClr>
-          </a:lnRef>
-          <a:fillRef idx="1">
-            <a:schemeClr val="accent1"/>
-          </a:fillRef>
-          <a:effectRef idx="0">
-            <a:schemeClr val="accent1"/>
-          </a:effectRef>
-          <a:fontRef idx="minor">
-            <a:schemeClr val="lt1"/>
-          </a:fontRef>
-        </p:style>
-        <p:txBody>
-          <a:bodyPr rtlCol="0" anchor="ctr"/>
-          <a:lstStyle/>
-          <a:p>
-            <a:pPr algn="ctr"/>
-            <a:r>
-              <a:rPr lang="en-US" altLang="zh-TW" dirty="0"/>
-              <a:t>Draw Tree and OB</a:t>
-            </a:r>
-            <a:endParaRPr lang="zh-TW" altLang="en-US" dirty="0"/>
-          </a:p>
-        </p:txBody>
-      </p:sp>
     </p:spTree>
     <p:extLst>
       <p:ext uri="{BB962C8B-B14F-4D97-AF65-F5344CB8AC3E}">
-        <p14:creationId xmlns:p14="http://schemas.microsoft.com/office/powerpoint/2010/main" val="1724818648"/>
+        <p14:creationId xmlns:p14="http://schemas.microsoft.com/office/powerpoint/2010/main" val="2832007627"/>
       </p:ext>
     </p:extLst>
   </p:cSld>
   <p:clrMapOvr>
     <a:masterClrMapping/>
   </p:clrMapOvr>
+  <p:timing>
+    <p:tnLst>
+      <p:par>
+        <p:cTn id="1" dur="indefinite" restart="never" nodeType="tmRoot"/>
+      </p:par>
+    </p:tnLst>
+  </p:timing>
 </p:sld>
 </file>
 
